--- a/TankHero.pptx
+++ b/TankHero.pptx
@@ -15,6 +15,9 @@
     <p:sldId id="263" r:id="rId9"/>
     <p:sldId id="264" r:id="rId10"/>
     <p:sldId id="269" r:id="rId11"/>
+    <p:sldId id="270" r:id="rId12"/>
+    <p:sldId id="271" r:id="rId13"/>
+    <p:sldId id="272" r:id="rId14"/>
   </p:sldIdLst>
   <p:sldSz cx="9144000" cy="6858000" type="screen4x3"/>
   <p:notesSz cx="6858000" cy="9144000"/>
@@ -297,7 +300,7 @@
           <a:p>
             <a:fld id="{EF65D2AA-D73F-470C-8AB1-14029EAFFB0B}" type="datetimeFigureOut">
               <a:rPr lang="zh-CN" altLang="en-US" smtClean="0"/>
-              <a:t>2015/1/28</a:t>
+              <a:t>2015/1/29</a:t>
             </a:fld>
             <a:endParaRPr lang="zh-CN" altLang="en-US"/>
           </a:p>
@@ -467,7 +470,7 @@
           <a:p>
             <a:fld id="{EF65D2AA-D73F-470C-8AB1-14029EAFFB0B}" type="datetimeFigureOut">
               <a:rPr lang="zh-CN" altLang="en-US" smtClean="0"/>
-              <a:t>2015/1/28</a:t>
+              <a:t>2015/1/29</a:t>
             </a:fld>
             <a:endParaRPr lang="zh-CN" altLang="en-US"/>
           </a:p>
@@ -647,7 +650,7 @@
           <a:p>
             <a:fld id="{EF65D2AA-D73F-470C-8AB1-14029EAFFB0B}" type="datetimeFigureOut">
               <a:rPr lang="zh-CN" altLang="en-US" smtClean="0"/>
-              <a:t>2015/1/28</a:t>
+              <a:t>2015/1/29</a:t>
             </a:fld>
             <a:endParaRPr lang="zh-CN" altLang="en-US"/>
           </a:p>
@@ -817,7 +820,7 @@
           <a:p>
             <a:fld id="{EF65D2AA-D73F-470C-8AB1-14029EAFFB0B}" type="datetimeFigureOut">
               <a:rPr lang="zh-CN" altLang="en-US" smtClean="0"/>
-              <a:t>2015/1/28</a:t>
+              <a:t>2015/1/29</a:t>
             </a:fld>
             <a:endParaRPr lang="zh-CN" altLang="en-US"/>
           </a:p>
@@ -1063,7 +1066,7 @@
           <a:p>
             <a:fld id="{EF65D2AA-D73F-470C-8AB1-14029EAFFB0B}" type="datetimeFigureOut">
               <a:rPr lang="zh-CN" altLang="en-US" smtClean="0"/>
-              <a:t>2015/1/28</a:t>
+              <a:t>2015/1/29</a:t>
             </a:fld>
             <a:endParaRPr lang="zh-CN" altLang="en-US"/>
           </a:p>
@@ -1351,7 +1354,7 @@
           <a:p>
             <a:fld id="{EF65D2AA-D73F-470C-8AB1-14029EAFFB0B}" type="datetimeFigureOut">
               <a:rPr lang="zh-CN" altLang="en-US" smtClean="0"/>
-              <a:t>2015/1/28</a:t>
+              <a:t>2015/1/29</a:t>
             </a:fld>
             <a:endParaRPr lang="zh-CN" altLang="en-US"/>
           </a:p>
@@ -1773,7 +1776,7 @@
           <a:p>
             <a:fld id="{EF65D2AA-D73F-470C-8AB1-14029EAFFB0B}" type="datetimeFigureOut">
               <a:rPr lang="zh-CN" altLang="en-US" smtClean="0"/>
-              <a:t>2015/1/28</a:t>
+              <a:t>2015/1/29</a:t>
             </a:fld>
             <a:endParaRPr lang="zh-CN" altLang="en-US"/>
           </a:p>
@@ -1891,7 +1894,7 @@
           <a:p>
             <a:fld id="{EF65D2AA-D73F-470C-8AB1-14029EAFFB0B}" type="datetimeFigureOut">
               <a:rPr lang="zh-CN" altLang="en-US" smtClean="0"/>
-              <a:t>2015/1/28</a:t>
+              <a:t>2015/1/29</a:t>
             </a:fld>
             <a:endParaRPr lang="zh-CN" altLang="en-US"/>
           </a:p>
@@ -1986,7 +1989,7 @@
           <a:p>
             <a:fld id="{EF65D2AA-D73F-470C-8AB1-14029EAFFB0B}" type="datetimeFigureOut">
               <a:rPr lang="zh-CN" altLang="en-US" smtClean="0"/>
-              <a:t>2015/1/28</a:t>
+              <a:t>2015/1/29</a:t>
             </a:fld>
             <a:endParaRPr lang="zh-CN" altLang="en-US"/>
           </a:p>
@@ -2263,7 +2266,7 @@
           <a:p>
             <a:fld id="{EF65D2AA-D73F-470C-8AB1-14029EAFFB0B}" type="datetimeFigureOut">
               <a:rPr lang="zh-CN" altLang="en-US" smtClean="0"/>
-              <a:t>2015/1/28</a:t>
+              <a:t>2015/1/29</a:t>
             </a:fld>
             <a:endParaRPr lang="zh-CN" altLang="en-US"/>
           </a:p>
@@ -2516,7 +2519,7 @@
           <a:p>
             <a:fld id="{EF65D2AA-D73F-470C-8AB1-14029EAFFB0B}" type="datetimeFigureOut">
               <a:rPr lang="zh-CN" altLang="en-US" smtClean="0"/>
-              <a:t>2015/1/28</a:t>
+              <a:t>2015/1/29</a:t>
             </a:fld>
             <a:endParaRPr lang="zh-CN" altLang="en-US"/>
           </a:p>
@@ -2729,7 +2732,7 @@
           <a:p>
             <a:fld id="{EF65D2AA-D73F-470C-8AB1-14029EAFFB0B}" type="datetimeFigureOut">
               <a:rPr lang="zh-CN" altLang="en-US" smtClean="0"/>
-              <a:t>2015/1/28</a:t>
+              <a:t>2015/1/29</a:t>
             </a:fld>
             <a:endParaRPr lang="zh-CN" altLang="en-US"/>
           </a:p>
@@ -3852,6 +3855,1778 @@
     <p:extLst>
       <p:ext uri="{BB962C8B-B14F-4D97-AF65-F5344CB8AC3E}">
         <p14:creationId xmlns:p14="http://schemas.microsoft.com/office/powerpoint/2010/main" val="1264170288"/>
+      </p:ext>
+    </p:extLst>
+  </p:cSld>
+  <p:clrMapOvr>
+    <a:masterClrMapping/>
+  </p:clrMapOvr>
+</p:sld>
+</file>
+
+<file path=ppt/slides/slide11.xml><?xml version="1.0" encoding="utf-8"?>
+<p:sld xmlns:a="http://schemas.openxmlformats.org/drawingml/2006/main" xmlns:r="http://schemas.openxmlformats.org/officeDocument/2006/relationships" xmlns:p="http://schemas.openxmlformats.org/presentationml/2006/main">
+  <p:cSld>
+    <p:spTree>
+      <p:nvGrpSpPr>
+        <p:cNvPr id="1" name=""/>
+        <p:cNvGrpSpPr/>
+        <p:nvPr/>
+      </p:nvGrpSpPr>
+      <p:grpSpPr>
+        <a:xfrm>
+          <a:off x="0" y="0"/>
+          <a:ext cx="0" cy="0"/>
+          <a:chOff x="0" y="0"/>
+          <a:chExt cx="0" cy="0"/>
+        </a:xfrm>
+      </p:grpSpPr>
+      <p:sp>
+        <p:nvSpPr>
+          <p:cNvPr id="2" name="标题 1"/>
+          <p:cNvSpPr>
+            <a:spLocks noGrp="1"/>
+          </p:cNvSpPr>
+          <p:nvPr>
+            <p:ph type="title"/>
+          </p:nvPr>
+        </p:nvSpPr>
+        <p:spPr/>
+        <p:txBody>
+          <a:bodyPr/>
+          <a:lstStyle/>
+          <a:p>
+            <a:endParaRPr lang="zh-CN" altLang="en-US"/>
+          </a:p>
+        </p:txBody>
+      </p:sp>
+      <p:grpSp>
+        <p:nvGrpSpPr>
+          <p:cNvPr id="22" name="组合 21"/>
+          <p:cNvGrpSpPr/>
+          <p:nvPr/>
+        </p:nvGrpSpPr>
+        <p:grpSpPr>
+          <a:xfrm>
+            <a:off x="457200" y="1196752"/>
+            <a:ext cx="8229600" cy="5332862"/>
+            <a:chOff x="457200" y="1196752"/>
+            <a:chExt cx="8229600" cy="5332862"/>
+          </a:xfrm>
+        </p:grpSpPr>
+        <p:sp>
+          <p:nvSpPr>
+            <p:cNvPr id="6" name="任意多边形 5"/>
+            <p:cNvSpPr/>
+            <p:nvPr/>
+          </p:nvSpPr>
+          <p:spPr>
+            <a:xfrm>
+              <a:off x="457200" y="1600200"/>
+              <a:ext cx="8229600" cy="1414363"/>
+            </a:xfrm>
+            <a:custGeom>
+              <a:avLst/>
+              <a:gdLst>
+                <a:gd name="connsiteX0" fmla="*/ 0 w 8229600"/>
+                <a:gd name="connsiteY0" fmla="*/ 141436 h 1414363"/>
+                <a:gd name="connsiteX1" fmla="*/ 141436 w 8229600"/>
+                <a:gd name="connsiteY1" fmla="*/ 0 h 1414363"/>
+                <a:gd name="connsiteX2" fmla="*/ 8088164 w 8229600"/>
+                <a:gd name="connsiteY2" fmla="*/ 0 h 1414363"/>
+                <a:gd name="connsiteX3" fmla="*/ 8229600 w 8229600"/>
+                <a:gd name="connsiteY3" fmla="*/ 141436 h 1414363"/>
+                <a:gd name="connsiteX4" fmla="*/ 8229600 w 8229600"/>
+                <a:gd name="connsiteY4" fmla="*/ 1272927 h 1414363"/>
+                <a:gd name="connsiteX5" fmla="*/ 8088164 w 8229600"/>
+                <a:gd name="connsiteY5" fmla="*/ 1414363 h 1414363"/>
+                <a:gd name="connsiteX6" fmla="*/ 141436 w 8229600"/>
+                <a:gd name="connsiteY6" fmla="*/ 1414363 h 1414363"/>
+                <a:gd name="connsiteX7" fmla="*/ 0 w 8229600"/>
+                <a:gd name="connsiteY7" fmla="*/ 1272927 h 1414363"/>
+                <a:gd name="connsiteX8" fmla="*/ 0 w 8229600"/>
+                <a:gd name="connsiteY8" fmla="*/ 141436 h 1414363"/>
+              </a:gdLst>
+              <a:ahLst/>
+              <a:cxnLst>
+                <a:cxn ang="0">
+                  <a:pos x="connsiteX0" y="connsiteY0"/>
+                </a:cxn>
+                <a:cxn ang="0">
+                  <a:pos x="connsiteX1" y="connsiteY1"/>
+                </a:cxn>
+                <a:cxn ang="0">
+                  <a:pos x="connsiteX2" y="connsiteY2"/>
+                </a:cxn>
+                <a:cxn ang="0">
+                  <a:pos x="connsiteX3" y="connsiteY3"/>
+                </a:cxn>
+                <a:cxn ang="0">
+                  <a:pos x="connsiteX4" y="connsiteY4"/>
+                </a:cxn>
+                <a:cxn ang="0">
+                  <a:pos x="connsiteX5" y="connsiteY5"/>
+                </a:cxn>
+                <a:cxn ang="0">
+                  <a:pos x="connsiteX6" y="connsiteY6"/>
+                </a:cxn>
+                <a:cxn ang="0">
+                  <a:pos x="connsiteX7" y="connsiteY7"/>
+                </a:cxn>
+                <a:cxn ang="0">
+                  <a:pos x="connsiteX8" y="connsiteY8"/>
+                </a:cxn>
+              </a:cxnLst>
+              <a:rect l="l" t="t" r="r" b="b"/>
+              <a:pathLst>
+                <a:path w="8229600" h="1414363">
+                  <a:moveTo>
+                    <a:pt x="0" y="141436"/>
+                  </a:moveTo>
+                  <a:cubicBezTo>
+                    <a:pt x="0" y="63323"/>
+                    <a:pt x="63323" y="0"/>
+                    <a:pt x="141436" y="0"/>
+                  </a:cubicBezTo>
+                  <a:lnTo>
+                    <a:pt x="8088164" y="0"/>
+                  </a:lnTo>
+                  <a:cubicBezTo>
+                    <a:pt x="8166277" y="0"/>
+                    <a:pt x="8229600" y="63323"/>
+                    <a:pt x="8229600" y="141436"/>
+                  </a:cubicBezTo>
+                  <a:lnTo>
+                    <a:pt x="8229600" y="1272927"/>
+                  </a:lnTo>
+                  <a:cubicBezTo>
+                    <a:pt x="8229600" y="1351040"/>
+                    <a:pt x="8166277" y="1414363"/>
+                    <a:pt x="8088164" y="1414363"/>
+                  </a:cubicBezTo>
+                  <a:lnTo>
+                    <a:pt x="141436" y="1414363"/>
+                  </a:lnTo>
+                  <a:cubicBezTo>
+                    <a:pt x="63323" y="1414363"/>
+                    <a:pt x="0" y="1351040"/>
+                    <a:pt x="0" y="1272927"/>
+                  </a:cubicBezTo>
+                  <a:lnTo>
+                    <a:pt x="0" y="141436"/>
+                  </a:lnTo>
+                  <a:close/>
+                </a:path>
+              </a:pathLst>
+            </a:custGeom>
+            <a:ln w="203200" cmpd="sng">
+              <a:solidFill>
+                <a:schemeClr val="accent2"/>
+              </a:solidFill>
+            </a:ln>
+            <a:effectLst>
+              <a:outerShdw blurRad="63500" sx="102000" sy="102000" algn="ctr" rotWithShape="0">
+                <a:prstClr val="black">
+                  <a:alpha val="40000"/>
+                </a:prstClr>
+              </a:outerShdw>
+            </a:effectLst>
+          </p:spPr>
+          <p:style>
+            <a:lnRef idx="1">
+              <a:schemeClr val="accent2"/>
+            </a:lnRef>
+            <a:fillRef idx="3">
+              <a:schemeClr val="accent2"/>
+            </a:fillRef>
+            <a:effectRef idx="2">
+              <a:schemeClr val="accent2"/>
+            </a:effectRef>
+            <a:fontRef idx="minor">
+              <a:schemeClr val="lt1"/>
+            </a:fontRef>
+          </p:style>
+          <p:txBody>
+            <a:bodyPr spcFirstLastPara="0" vert="horz" wrap="square" lIns="1886416" tIns="99060" rIns="99061" bIns="99060" numCol="1" spcCol="1270" anchor="t" anchorCtr="0">
+              <a:noAutofit/>
+            </a:bodyPr>
+            <a:lstStyle/>
+            <a:p>
+              <a:pPr defTabSz="1155700">
+                <a:lnSpc>
+                  <a:spcPct val="90000"/>
+                </a:lnSpc>
+                <a:spcBef>
+                  <a:spcPct val="0"/>
+                </a:spcBef>
+                <a:spcAft>
+                  <a:spcPct val="35000"/>
+                </a:spcAft>
+              </a:pPr>
+              <a:endParaRPr lang="zh-CN" altLang="en-US" sz="2600"/>
+            </a:p>
+            <a:p>
+              <a:pPr marL="228600" lvl="1" indent="-228600" defTabSz="889000">
+                <a:lnSpc>
+                  <a:spcPct val="90000"/>
+                </a:lnSpc>
+                <a:spcBef>
+                  <a:spcPct val="0"/>
+                </a:spcBef>
+                <a:spcAft>
+                  <a:spcPct val="15000"/>
+                </a:spcAft>
+                <a:buChar char="••"/>
+              </a:pPr>
+              <a:endParaRPr lang="zh-CN" altLang="en-US" sz="2000"/>
+            </a:p>
+            <a:p>
+              <a:pPr marL="228600" lvl="1" indent="-228600" defTabSz="889000">
+                <a:lnSpc>
+                  <a:spcPct val="90000"/>
+                </a:lnSpc>
+                <a:spcBef>
+                  <a:spcPct val="0"/>
+                </a:spcBef>
+                <a:spcAft>
+                  <a:spcPct val="15000"/>
+                </a:spcAft>
+                <a:buChar char="••"/>
+              </a:pPr>
+              <a:endParaRPr lang="zh-CN" altLang="en-US" sz="2000"/>
+            </a:p>
+          </p:txBody>
+        </p:sp>
+        <p:sp>
+          <p:nvSpPr>
+            <p:cNvPr id="10" name="任意多边形 9"/>
+            <p:cNvSpPr/>
+            <p:nvPr/>
+          </p:nvSpPr>
+          <p:spPr>
+            <a:xfrm>
+              <a:off x="457200" y="4711799"/>
+              <a:ext cx="8229600" cy="1414363"/>
+            </a:xfrm>
+            <a:custGeom>
+              <a:avLst/>
+              <a:gdLst>
+                <a:gd name="connsiteX0" fmla="*/ 0 w 8229600"/>
+                <a:gd name="connsiteY0" fmla="*/ 141436 h 1414363"/>
+                <a:gd name="connsiteX1" fmla="*/ 141436 w 8229600"/>
+                <a:gd name="connsiteY1" fmla="*/ 0 h 1414363"/>
+                <a:gd name="connsiteX2" fmla="*/ 8088164 w 8229600"/>
+                <a:gd name="connsiteY2" fmla="*/ 0 h 1414363"/>
+                <a:gd name="connsiteX3" fmla="*/ 8229600 w 8229600"/>
+                <a:gd name="connsiteY3" fmla="*/ 141436 h 1414363"/>
+                <a:gd name="connsiteX4" fmla="*/ 8229600 w 8229600"/>
+                <a:gd name="connsiteY4" fmla="*/ 1272927 h 1414363"/>
+                <a:gd name="connsiteX5" fmla="*/ 8088164 w 8229600"/>
+                <a:gd name="connsiteY5" fmla="*/ 1414363 h 1414363"/>
+                <a:gd name="connsiteX6" fmla="*/ 141436 w 8229600"/>
+                <a:gd name="connsiteY6" fmla="*/ 1414363 h 1414363"/>
+                <a:gd name="connsiteX7" fmla="*/ 0 w 8229600"/>
+                <a:gd name="connsiteY7" fmla="*/ 1272927 h 1414363"/>
+                <a:gd name="connsiteX8" fmla="*/ 0 w 8229600"/>
+                <a:gd name="connsiteY8" fmla="*/ 141436 h 1414363"/>
+              </a:gdLst>
+              <a:ahLst/>
+              <a:cxnLst>
+                <a:cxn ang="0">
+                  <a:pos x="connsiteX0" y="connsiteY0"/>
+                </a:cxn>
+                <a:cxn ang="0">
+                  <a:pos x="connsiteX1" y="connsiteY1"/>
+                </a:cxn>
+                <a:cxn ang="0">
+                  <a:pos x="connsiteX2" y="connsiteY2"/>
+                </a:cxn>
+                <a:cxn ang="0">
+                  <a:pos x="connsiteX3" y="connsiteY3"/>
+                </a:cxn>
+                <a:cxn ang="0">
+                  <a:pos x="connsiteX4" y="connsiteY4"/>
+                </a:cxn>
+                <a:cxn ang="0">
+                  <a:pos x="connsiteX5" y="connsiteY5"/>
+                </a:cxn>
+                <a:cxn ang="0">
+                  <a:pos x="connsiteX6" y="connsiteY6"/>
+                </a:cxn>
+                <a:cxn ang="0">
+                  <a:pos x="connsiteX7" y="connsiteY7"/>
+                </a:cxn>
+                <a:cxn ang="0">
+                  <a:pos x="connsiteX8" y="connsiteY8"/>
+                </a:cxn>
+              </a:cxnLst>
+              <a:rect l="l" t="t" r="r" b="b"/>
+              <a:pathLst>
+                <a:path w="8229600" h="1414363">
+                  <a:moveTo>
+                    <a:pt x="0" y="141436"/>
+                  </a:moveTo>
+                  <a:cubicBezTo>
+                    <a:pt x="0" y="63323"/>
+                    <a:pt x="63323" y="0"/>
+                    <a:pt x="141436" y="0"/>
+                  </a:cubicBezTo>
+                  <a:lnTo>
+                    <a:pt x="8088164" y="0"/>
+                  </a:lnTo>
+                  <a:cubicBezTo>
+                    <a:pt x="8166277" y="0"/>
+                    <a:pt x="8229600" y="63323"/>
+                    <a:pt x="8229600" y="141436"/>
+                  </a:cubicBezTo>
+                  <a:lnTo>
+                    <a:pt x="8229600" y="1272927"/>
+                  </a:lnTo>
+                  <a:cubicBezTo>
+                    <a:pt x="8229600" y="1351040"/>
+                    <a:pt x="8166277" y="1414363"/>
+                    <a:pt x="8088164" y="1414363"/>
+                  </a:cubicBezTo>
+                  <a:lnTo>
+                    <a:pt x="141436" y="1414363"/>
+                  </a:lnTo>
+                  <a:cubicBezTo>
+                    <a:pt x="63323" y="1414363"/>
+                    <a:pt x="0" y="1351040"/>
+                    <a:pt x="0" y="1272927"/>
+                  </a:cubicBezTo>
+                  <a:lnTo>
+                    <a:pt x="0" y="141436"/>
+                  </a:lnTo>
+                  <a:close/>
+                </a:path>
+              </a:pathLst>
+            </a:custGeom>
+            <a:ln w="203200" cmpd="sng">
+              <a:solidFill>
+                <a:schemeClr val="accent2"/>
+              </a:solidFill>
+            </a:ln>
+            <a:effectLst>
+              <a:outerShdw blurRad="63500" sx="102000" sy="102000" algn="ctr" rotWithShape="0">
+                <a:prstClr val="black">
+                  <a:alpha val="40000"/>
+                </a:prstClr>
+              </a:outerShdw>
+            </a:effectLst>
+          </p:spPr>
+          <p:style>
+            <a:lnRef idx="1">
+              <a:schemeClr val="accent2"/>
+            </a:lnRef>
+            <a:fillRef idx="3">
+              <a:schemeClr val="accent2"/>
+            </a:fillRef>
+            <a:effectRef idx="2">
+              <a:schemeClr val="accent2"/>
+            </a:effectRef>
+            <a:fontRef idx="minor">
+              <a:schemeClr val="lt1"/>
+            </a:fontRef>
+          </p:style>
+          <p:txBody>
+            <a:bodyPr spcFirstLastPara="0" vert="horz" wrap="square" lIns="1886416" tIns="99060" rIns="99061" bIns="99060" numCol="1" spcCol="1270" anchor="t" anchorCtr="0">
+              <a:noAutofit/>
+            </a:bodyPr>
+            <a:lstStyle/>
+            <a:p>
+              <a:pPr lvl="0" algn="l" defTabSz="1155700">
+                <a:lnSpc>
+                  <a:spcPct val="90000"/>
+                </a:lnSpc>
+                <a:spcBef>
+                  <a:spcPct val="0"/>
+                </a:spcBef>
+                <a:spcAft>
+                  <a:spcPct val="35000"/>
+                </a:spcAft>
+              </a:pPr>
+              <a:endParaRPr lang="zh-CN" altLang="en-US" sz="2600" kern="1200"/>
+            </a:p>
+            <a:p>
+              <a:pPr marL="228600" lvl="1" indent="-228600" algn="l" defTabSz="889000">
+                <a:lnSpc>
+                  <a:spcPct val="90000"/>
+                </a:lnSpc>
+                <a:spcBef>
+                  <a:spcPct val="0"/>
+                </a:spcBef>
+                <a:spcAft>
+                  <a:spcPct val="15000"/>
+                </a:spcAft>
+                <a:buChar char="••"/>
+              </a:pPr>
+              <a:endParaRPr lang="zh-CN" altLang="en-US" sz="2000" kern="1200"/>
+            </a:p>
+            <a:p>
+              <a:pPr marL="228600" lvl="1" indent="-228600" algn="l" defTabSz="889000">
+                <a:lnSpc>
+                  <a:spcPct val="90000"/>
+                </a:lnSpc>
+                <a:spcBef>
+                  <a:spcPct val="0"/>
+                </a:spcBef>
+                <a:spcAft>
+                  <a:spcPct val="15000"/>
+                </a:spcAft>
+                <a:buChar char="••"/>
+              </a:pPr>
+              <a:endParaRPr lang="zh-CN" altLang="en-US" sz="2000" kern="1200"/>
+            </a:p>
+          </p:txBody>
+        </p:sp>
+        <p:grpSp>
+          <p:nvGrpSpPr>
+            <p:cNvPr id="17" name="组合 16"/>
+            <p:cNvGrpSpPr/>
+            <p:nvPr/>
+          </p:nvGrpSpPr>
+          <p:grpSpPr>
+            <a:xfrm>
+              <a:off x="1115615" y="1196752"/>
+              <a:ext cx="7272809" cy="5332862"/>
+              <a:chOff x="1259628" y="1600201"/>
+              <a:chExt cx="7149511" cy="4525963"/>
+            </a:xfrm>
+          </p:grpSpPr>
+          <p:sp>
+            <p:nvSpPr>
+              <p:cNvPr id="12" name="任意多边形 11"/>
+              <p:cNvSpPr/>
+              <p:nvPr/>
+            </p:nvSpPr>
+            <p:spPr>
+              <a:xfrm rot="5400000">
+                <a:off x="2561045" y="298785"/>
+                <a:ext cx="4525962" cy="7128793"/>
+              </a:xfrm>
+              <a:custGeom>
+                <a:avLst/>
+                <a:gdLst>
+                  <a:gd name="connsiteX0" fmla="*/ 0 w 5486399"/>
+                  <a:gd name="connsiteY0" fmla="*/ 1508654 h 1508654"/>
+                  <a:gd name="connsiteX1" fmla="*/ 1371593 w 5486399"/>
+                  <a:gd name="connsiteY1" fmla="*/ 0 h 1508654"/>
+                  <a:gd name="connsiteX2" fmla="*/ 4114806 w 5486399"/>
+                  <a:gd name="connsiteY2" fmla="*/ 0 h 1508654"/>
+                  <a:gd name="connsiteX3" fmla="*/ 5486399 w 5486399"/>
+                  <a:gd name="connsiteY3" fmla="*/ 1508654 h 1508654"/>
+                  <a:gd name="connsiteX4" fmla="*/ 0 w 5486399"/>
+                  <a:gd name="connsiteY4" fmla="*/ 1508654 h 1508654"/>
+                  <a:gd name="connsiteX0" fmla="*/ 0 w 5486399"/>
+                  <a:gd name="connsiteY0" fmla="*/ 1508654 h 1508654"/>
+                  <a:gd name="connsiteX1" fmla="*/ 403909 w 5486399"/>
+                  <a:gd name="connsiteY1" fmla="*/ 0 h 1508654"/>
+                  <a:gd name="connsiteX2" fmla="*/ 4114806 w 5486399"/>
+                  <a:gd name="connsiteY2" fmla="*/ 0 h 1508654"/>
+                  <a:gd name="connsiteX3" fmla="*/ 5486399 w 5486399"/>
+                  <a:gd name="connsiteY3" fmla="*/ 1508654 h 1508654"/>
+                  <a:gd name="connsiteX4" fmla="*/ 0 w 5486399"/>
+                  <a:gd name="connsiteY4" fmla="*/ 1508654 h 1508654"/>
+                  <a:gd name="connsiteX0" fmla="*/ 0 w 5486399"/>
+                  <a:gd name="connsiteY0" fmla="*/ 1508654 h 1508654"/>
+                  <a:gd name="connsiteX1" fmla="*/ 403909 w 5486399"/>
+                  <a:gd name="connsiteY1" fmla="*/ 0 h 1508654"/>
+                  <a:gd name="connsiteX2" fmla="*/ 5047307 w 5486399"/>
+                  <a:gd name="connsiteY2" fmla="*/ 0 h 1508654"/>
+                  <a:gd name="connsiteX3" fmla="*/ 5486399 w 5486399"/>
+                  <a:gd name="connsiteY3" fmla="*/ 1508654 h 1508654"/>
+                  <a:gd name="connsiteX4" fmla="*/ 0 w 5486399"/>
+                  <a:gd name="connsiteY4" fmla="*/ 1508654 h 1508654"/>
+                </a:gdLst>
+                <a:ahLst/>
+                <a:cxnLst>
+                  <a:cxn ang="0">
+                    <a:pos x="connsiteX0" y="connsiteY0"/>
+                  </a:cxn>
+                  <a:cxn ang="0">
+                    <a:pos x="connsiteX1" y="connsiteY1"/>
+                  </a:cxn>
+                  <a:cxn ang="0">
+                    <a:pos x="connsiteX2" y="connsiteY2"/>
+                  </a:cxn>
+                  <a:cxn ang="0">
+                    <a:pos x="connsiteX3" y="connsiteY3"/>
+                  </a:cxn>
+                  <a:cxn ang="0">
+                    <a:pos x="connsiteX4" y="connsiteY4"/>
+                  </a:cxn>
+                </a:cxnLst>
+                <a:rect l="l" t="t" r="r" b="b"/>
+                <a:pathLst>
+                  <a:path w="5486399" h="1508654">
+                    <a:moveTo>
+                      <a:pt x="0" y="1508654"/>
+                    </a:moveTo>
+                    <a:lnTo>
+                      <a:pt x="403909" y="0"/>
+                    </a:lnTo>
+                    <a:lnTo>
+                      <a:pt x="5047307" y="0"/>
+                    </a:lnTo>
+                    <a:lnTo>
+                      <a:pt x="5486399" y="1508654"/>
+                    </a:lnTo>
+                    <a:lnTo>
+                      <a:pt x="0" y="1508654"/>
+                    </a:lnTo>
+                    <a:close/>
+                  </a:path>
+                </a:pathLst>
+              </a:custGeom>
+              <a:solidFill>
+                <a:schemeClr val="accent3"/>
+              </a:solidFill>
+            </p:spPr>
+            <p:style>
+              <a:lnRef idx="2">
+                <a:schemeClr val="accent3">
+                  <a:shade val="50000"/>
+                </a:schemeClr>
+              </a:lnRef>
+              <a:fillRef idx="1">
+                <a:schemeClr val="accent3"/>
+              </a:fillRef>
+              <a:effectRef idx="0">
+                <a:schemeClr val="accent3"/>
+              </a:effectRef>
+              <a:fontRef idx="minor">
+                <a:schemeClr val="lt1"/>
+              </a:fontRef>
+            </p:style>
+            <p:txBody>
+              <a:bodyPr spcFirstLastPara="0" vert="horz" wrap="square" lIns="1042670" tIns="82550" rIns="1042669" bIns="82550" numCol="1" spcCol="1270" anchor="ctr" anchorCtr="0">
+                <a:noAutofit/>
+              </a:bodyPr>
+              <a:lstStyle/>
+              <a:p>
+                <a:pPr lvl="0" algn="ctr" defTabSz="2889250">
+                  <a:lnSpc>
+                    <a:spcPct val="90000"/>
+                  </a:lnSpc>
+                  <a:spcBef>
+                    <a:spcPct val="0"/>
+                  </a:spcBef>
+                  <a:spcAft>
+                    <a:spcPct val="35000"/>
+                  </a:spcAft>
+                </a:pPr>
+                <a:endParaRPr lang="zh-CN" altLang="en-US" sz="6500" kern="1200"/>
+              </a:p>
+            </p:txBody>
+          </p:sp>
+          <p:sp>
+            <p:nvSpPr>
+              <p:cNvPr id="13" name="任意多边形 12"/>
+              <p:cNvSpPr/>
+              <p:nvPr/>
+            </p:nvSpPr>
+            <p:spPr>
+              <a:xfrm rot="5400000">
+                <a:off x="4505960" y="2243702"/>
+                <a:ext cx="636130" cy="7128793"/>
+              </a:xfrm>
+              <a:custGeom>
+                <a:avLst/>
+                <a:gdLst>
+                  <a:gd name="connsiteX0" fmla="*/ 0 w 5486399"/>
+                  <a:gd name="connsiteY0" fmla="*/ 1508654 h 1508654"/>
+                  <a:gd name="connsiteX1" fmla="*/ 1371593 w 5486399"/>
+                  <a:gd name="connsiteY1" fmla="*/ 0 h 1508654"/>
+                  <a:gd name="connsiteX2" fmla="*/ 4114806 w 5486399"/>
+                  <a:gd name="connsiteY2" fmla="*/ 0 h 1508654"/>
+                  <a:gd name="connsiteX3" fmla="*/ 5486399 w 5486399"/>
+                  <a:gd name="connsiteY3" fmla="*/ 1508654 h 1508654"/>
+                  <a:gd name="connsiteX4" fmla="*/ 0 w 5486399"/>
+                  <a:gd name="connsiteY4" fmla="*/ 1508654 h 1508654"/>
+                  <a:gd name="connsiteX0" fmla="*/ 0 w 5486399"/>
+                  <a:gd name="connsiteY0" fmla="*/ 1508654 h 1508654"/>
+                  <a:gd name="connsiteX1" fmla="*/ 403909 w 5486399"/>
+                  <a:gd name="connsiteY1" fmla="*/ 0 h 1508654"/>
+                  <a:gd name="connsiteX2" fmla="*/ 4114806 w 5486399"/>
+                  <a:gd name="connsiteY2" fmla="*/ 0 h 1508654"/>
+                  <a:gd name="connsiteX3" fmla="*/ 5486399 w 5486399"/>
+                  <a:gd name="connsiteY3" fmla="*/ 1508654 h 1508654"/>
+                  <a:gd name="connsiteX4" fmla="*/ 0 w 5486399"/>
+                  <a:gd name="connsiteY4" fmla="*/ 1508654 h 1508654"/>
+                  <a:gd name="connsiteX0" fmla="*/ 0 w 5486399"/>
+                  <a:gd name="connsiteY0" fmla="*/ 1508654 h 1508654"/>
+                  <a:gd name="connsiteX1" fmla="*/ 403909 w 5486399"/>
+                  <a:gd name="connsiteY1" fmla="*/ 0 h 1508654"/>
+                  <a:gd name="connsiteX2" fmla="*/ 5047307 w 5486399"/>
+                  <a:gd name="connsiteY2" fmla="*/ 0 h 1508654"/>
+                  <a:gd name="connsiteX3" fmla="*/ 5486399 w 5486399"/>
+                  <a:gd name="connsiteY3" fmla="*/ 1508654 h 1508654"/>
+                  <a:gd name="connsiteX4" fmla="*/ 0 w 5486399"/>
+                  <a:gd name="connsiteY4" fmla="*/ 1508654 h 1508654"/>
+                  <a:gd name="connsiteX0" fmla="*/ 0 w 5486399"/>
+                  <a:gd name="connsiteY0" fmla="*/ 1508654 h 1508654"/>
+                  <a:gd name="connsiteX1" fmla="*/ 5047307 w 5486399"/>
+                  <a:gd name="connsiteY1" fmla="*/ 0 h 1508654"/>
+                  <a:gd name="connsiteX2" fmla="*/ 5486399 w 5486399"/>
+                  <a:gd name="connsiteY2" fmla="*/ 1508654 h 1508654"/>
+                  <a:gd name="connsiteX3" fmla="*/ 0 w 5486399"/>
+                  <a:gd name="connsiteY3" fmla="*/ 1508654 h 1508654"/>
+                  <a:gd name="connsiteX0" fmla="*/ 0 w 771121"/>
+                  <a:gd name="connsiteY0" fmla="*/ 1508654 h 1508654"/>
+                  <a:gd name="connsiteX1" fmla="*/ 332029 w 771121"/>
+                  <a:gd name="connsiteY1" fmla="*/ 0 h 1508654"/>
+                  <a:gd name="connsiteX2" fmla="*/ 771121 w 771121"/>
+                  <a:gd name="connsiteY2" fmla="*/ 1508654 h 1508654"/>
+                  <a:gd name="connsiteX3" fmla="*/ 0 w 771121"/>
+                  <a:gd name="connsiteY3" fmla="*/ 1508654 h 1508654"/>
+                </a:gdLst>
+                <a:ahLst/>
+                <a:cxnLst>
+                  <a:cxn ang="0">
+                    <a:pos x="connsiteX0" y="connsiteY0"/>
+                  </a:cxn>
+                  <a:cxn ang="0">
+                    <a:pos x="connsiteX1" y="connsiteY1"/>
+                  </a:cxn>
+                  <a:cxn ang="0">
+                    <a:pos x="connsiteX2" y="connsiteY2"/>
+                  </a:cxn>
+                  <a:cxn ang="0">
+                    <a:pos x="connsiteX3" y="connsiteY3"/>
+                  </a:cxn>
+                </a:cxnLst>
+                <a:rect l="l" t="t" r="r" b="b"/>
+                <a:pathLst>
+                  <a:path w="771121" h="1508654">
+                    <a:moveTo>
+                      <a:pt x="0" y="1508654"/>
+                    </a:moveTo>
+                    <a:lnTo>
+                      <a:pt x="332029" y="0"/>
+                    </a:lnTo>
+                    <a:lnTo>
+                      <a:pt x="771121" y="1508654"/>
+                    </a:lnTo>
+                    <a:lnTo>
+                      <a:pt x="0" y="1508654"/>
+                    </a:lnTo>
+                    <a:close/>
+                  </a:path>
+                </a:pathLst>
+              </a:custGeom>
+              <a:solidFill>
+                <a:schemeClr val="accent3">
+                  <a:lumMod val="75000"/>
+                </a:schemeClr>
+              </a:solidFill>
+              <a:ln>
+                <a:noFill/>
+              </a:ln>
+            </p:spPr>
+            <p:style>
+              <a:lnRef idx="2">
+                <a:schemeClr val="accent3">
+                  <a:shade val="50000"/>
+                </a:schemeClr>
+              </a:lnRef>
+              <a:fillRef idx="1">
+                <a:schemeClr val="accent3"/>
+              </a:fillRef>
+              <a:effectRef idx="0">
+                <a:schemeClr val="accent3"/>
+              </a:effectRef>
+              <a:fontRef idx="minor">
+                <a:schemeClr val="lt1"/>
+              </a:fontRef>
+            </p:style>
+            <p:txBody>
+              <a:bodyPr spcFirstLastPara="0" vert="horz" wrap="square" lIns="1042670" tIns="82550" rIns="1042669" bIns="82550" numCol="1" spcCol="1270" anchor="ctr" anchorCtr="0">
+                <a:noAutofit/>
+              </a:bodyPr>
+              <a:lstStyle/>
+              <a:p>
+                <a:pPr lvl="0" algn="ctr" defTabSz="2889250">
+                  <a:lnSpc>
+                    <a:spcPct val="90000"/>
+                  </a:lnSpc>
+                  <a:spcBef>
+                    <a:spcPct val="0"/>
+                  </a:spcBef>
+                  <a:spcAft>
+                    <a:spcPct val="35000"/>
+                  </a:spcAft>
+                </a:pPr>
+                <a:endParaRPr lang="zh-CN" altLang="en-US" sz="6500" kern="1200"/>
+              </a:p>
+            </p:txBody>
+          </p:sp>
+          <p:sp>
+            <p:nvSpPr>
+              <p:cNvPr id="14" name="任意多边形 13"/>
+              <p:cNvSpPr/>
+              <p:nvPr/>
+            </p:nvSpPr>
+            <p:spPr>
+              <a:xfrm rot="5400000" flipH="1">
+                <a:off x="4526675" y="-1605592"/>
+                <a:ext cx="636130" cy="7128798"/>
+              </a:xfrm>
+              <a:custGeom>
+                <a:avLst/>
+                <a:gdLst>
+                  <a:gd name="connsiteX0" fmla="*/ 0 w 5486399"/>
+                  <a:gd name="connsiteY0" fmla="*/ 1508654 h 1508654"/>
+                  <a:gd name="connsiteX1" fmla="*/ 1371593 w 5486399"/>
+                  <a:gd name="connsiteY1" fmla="*/ 0 h 1508654"/>
+                  <a:gd name="connsiteX2" fmla="*/ 4114806 w 5486399"/>
+                  <a:gd name="connsiteY2" fmla="*/ 0 h 1508654"/>
+                  <a:gd name="connsiteX3" fmla="*/ 5486399 w 5486399"/>
+                  <a:gd name="connsiteY3" fmla="*/ 1508654 h 1508654"/>
+                  <a:gd name="connsiteX4" fmla="*/ 0 w 5486399"/>
+                  <a:gd name="connsiteY4" fmla="*/ 1508654 h 1508654"/>
+                  <a:gd name="connsiteX0" fmla="*/ 0 w 5486399"/>
+                  <a:gd name="connsiteY0" fmla="*/ 1508654 h 1508654"/>
+                  <a:gd name="connsiteX1" fmla="*/ 403909 w 5486399"/>
+                  <a:gd name="connsiteY1" fmla="*/ 0 h 1508654"/>
+                  <a:gd name="connsiteX2" fmla="*/ 4114806 w 5486399"/>
+                  <a:gd name="connsiteY2" fmla="*/ 0 h 1508654"/>
+                  <a:gd name="connsiteX3" fmla="*/ 5486399 w 5486399"/>
+                  <a:gd name="connsiteY3" fmla="*/ 1508654 h 1508654"/>
+                  <a:gd name="connsiteX4" fmla="*/ 0 w 5486399"/>
+                  <a:gd name="connsiteY4" fmla="*/ 1508654 h 1508654"/>
+                  <a:gd name="connsiteX0" fmla="*/ 0 w 5486399"/>
+                  <a:gd name="connsiteY0" fmla="*/ 1508654 h 1508654"/>
+                  <a:gd name="connsiteX1" fmla="*/ 403909 w 5486399"/>
+                  <a:gd name="connsiteY1" fmla="*/ 0 h 1508654"/>
+                  <a:gd name="connsiteX2" fmla="*/ 5047307 w 5486399"/>
+                  <a:gd name="connsiteY2" fmla="*/ 0 h 1508654"/>
+                  <a:gd name="connsiteX3" fmla="*/ 5486399 w 5486399"/>
+                  <a:gd name="connsiteY3" fmla="*/ 1508654 h 1508654"/>
+                  <a:gd name="connsiteX4" fmla="*/ 0 w 5486399"/>
+                  <a:gd name="connsiteY4" fmla="*/ 1508654 h 1508654"/>
+                  <a:gd name="connsiteX0" fmla="*/ 0 w 5486399"/>
+                  <a:gd name="connsiteY0" fmla="*/ 1508654 h 1508654"/>
+                  <a:gd name="connsiteX1" fmla="*/ 5047307 w 5486399"/>
+                  <a:gd name="connsiteY1" fmla="*/ 0 h 1508654"/>
+                  <a:gd name="connsiteX2" fmla="*/ 5486399 w 5486399"/>
+                  <a:gd name="connsiteY2" fmla="*/ 1508654 h 1508654"/>
+                  <a:gd name="connsiteX3" fmla="*/ 0 w 5486399"/>
+                  <a:gd name="connsiteY3" fmla="*/ 1508654 h 1508654"/>
+                  <a:gd name="connsiteX0" fmla="*/ 0 w 771121"/>
+                  <a:gd name="connsiteY0" fmla="*/ 1508654 h 1508654"/>
+                  <a:gd name="connsiteX1" fmla="*/ 332029 w 771121"/>
+                  <a:gd name="connsiteY1" fmla="*/ 0 h 1508654"/>
+                  <a:gd name="connsiteX2" fmla="*/ 771121 w 771121"/>
+                  <a:gd name="connsiteY2" fmla="*/ 1508654 h 1508654"/>
+                  <a:gd name="connsiteX3" fmla="*/ 0 w 771121"/>
+                  <a:gd name="connsiteY3" fmla="*/ 1508654 h 1508654"/>
+                  <a:gd name="connsiteX0" fmla="*/ 0 w 771121"/>
+                  <a:gd name="connsiteY0" fmla="*/ 1508655 h 1508655"/>
+                  <a:gd name="connsiteX1" fmla="*/ 420000 w 771121"/>
+                  <a:gd name="connsiteY1" fmla="*/ 0 h 1508655"/>
+                  <a:gd name="connsiteX2" fmla="*/ 771121 w 771121"/>
+                  <a:gd name="connsiteY2" fmla="*/ 1508655 h 1508655"/>
+                  <a:gd name="connsiteX3" fmla="*/ 0 w 771121"/>
+                  <a:gd name="connsiteY3" fmla="*/ 1508655 h 1508655"/>
+                </a:gdLst>
+                <a:ahLst/>
+                <a:cxnLst>
+                  <a:cxn ang="0">
+                    <a:pos x="connsiteX0" y="connsiteY0"/>
+                  </a:cxn>
+                  <a:cxn ang="0">
+                    <a:pos x="connsiteX1" y="connsiteY1"/>
+                  </a:cxn>
+                  <a:cxn ang="0">
+                    <a:pos x="connsiteX2" y="connsiteY2"/>
+                  </a:cxn>
+                  <a:cxn ang="0">
+                    <a:pos x="connsiteX3" y="connsiteY3"/>
+                  </a:cxn>
+                </a:cxnLst>
+                <a:rect l="l" t="t" r="r" b="b"/>
+                <a:pathLst>
+                  <a:path w="771121" h="1508655">
+                    <a:moveTo>
+                      <a:pt x="0" y="1508655"/>
+                    </a:moveTo>
+                    <a:lnTo>
+                      <a:pt x="420000" y="0"/>
+                    </a:lnTo>
+                    <a:lnTo>
+                      <a:pt x="771121" y="1508655"/>
+                    </a:lnTo>
+                    <a:lnTo>
+                      <a:pt x="0" y="1508655"/>
+                    </a:lnTo>
+                    <a:close/>
+                  </a:path>
+                </a:pathLst>
+              </a:custGeom>
+              <a:solidFill>
+                <a:schemeClr val="accent3">
+                  <a:lumMod val="75000"/>
+                </a:schemeClr>
+              </a:solidFill>
+              <a:ln>
+                <a:noFill/>
+              </a:ln>
+            </p:spPr>
+            <p:style>
+              <a:lnRef idx="2">
+                <a:schemeClr val="accent3">
+                  <a:shade val="50000"/>
+                </a:schemeClr>
+              </a:lnRef>
+              <a:fillRef idx="1">
+                <a:schemeClr val="accent3"/>
+              </a:fillRef>
+              <a:effectRef idx="0">
+                <a:schemeClr val="accent3"/>
+              </a:effectRef>
+              <a:fontRef idx="minor">
+                <a:schemeClr val="lt1"/>
+              </a:fontRef>
+            </p:style>
+            <p:txBody>
+              <a:bodyPr spcFirstLastPara="0" vert="horz" wrap="square" lIns="1042670" tIns="82550" rIns="1042669" bIns="82550" numCol="1" spcCol="1270" anchor="ctr" anchorCtr="0">
+                <a:noAutofit/>
+              </a:bodyPr>
+              <a:lstStyle/>
+              <a:p>
+                <a:pPr lvl="0" algn="ctr" defTabSz="2889250">
+                  <a:lnSpc>
+                    <a:spcPct val="90000"/>
+                  </a:lnSpc>
+                  <a:spcBef>
+                    <a:spcPct val="0"/>
+                  </a:spcBef>
+                  <a:spcAft>
+                    <a:spcPct val="35000"/>
+                  </a:spcAft>
+                </a:pPr>
+                <a:endParaRPr lang="zh-CN" altLang="en-US" sz="6500" kern="1200"/>
+              </a:p>
+            </p:txBody>
+          </p:sp>
+        </p:grpSp>
+      </p:grpSp>
+      <p:grpSp>
+        <p:nvGrpSpPr>
+          <p:cNvPr id="20" name="组合 19"/>
+          <p:cNvGrpSpPr/>
+          <p:nvPr/>
+        </p:nvGrpSpPr>
+        <p:grpSpPr>
+          <a:xfrm>
+            <a:off x="-180528" y="2318768"/>
+            <a:ext cx="7436752" cy="3100212"/>
+            <a:chOff x="-180528" y="2318768"/>
+            <a:chExt cx="7436752" cy="3100212"/>
+          </a:xfrm>
+        </p:grpSpPr>
+        <p:grpSp>
+          <p:nvGrpSpPr>
+            <p:cNvPr id="18" name="组合 17"/>
+            <p:cNvGrpSpPr/>
+            <p:nvPr/>
+          </p:nvGrpSpPr>
+          <p:grpSpPr>
+            <a:xfrm>
+              <a:off x="2377310" y="2318768"/>
+              <a:ext cx="4878914" cy="3100212"/>
+              <a:chOff x="2829285" y="2605967"/>
+              <a:chExt cx="3974963" cy="2525813"/>
+            </a:xfrm>
+          </p:grpSpPr>
+          <p:sp>
+            <p:nvSpPr>
+              <p:cNvPr id="15" name="任意多边形 14"/>
+              <p:cNvSpPr/>
+              <p:nvPr/>
+            </p:nvSpPr>
+            <p:spPr>
+              <a:xfrm rot="5400000">
+                <a:off x="3566810" y="1894342"/>
+                <a:ext cx="2514428" cy="3960448"/>
+              </a:xfrm>
+              <a:custGeom>
+                <a:avLst/>
+                <a:gdLst>
+                  <a:gd name="connsiteX0" fmla="*/ 0 w 5486399"/>
+                  <a:gd name="connsiteY0" fmla="*/ 1508654 h 1508654"/>
+                  <a:gd name="connsiteX1" fmla="*/ 1371593 w 5486399"/>
+                  <a:gd name="connsiteY1" fmla="*/ 0 h 1508654"/>
+                  <a:gd name="connsiteX2" fmla="*/ 4114806 w 5486399"/>
+                  <a:gd name="connsiteY2" fmla="*/ 0 h 1508654"/>
+                  <a:gd name="connsiteX3" fmla="*/ 5486399 w 5486399"/>
+                  <a:gd name="connsiteY3" fmla="*/ 1508654 h 1508654"/>
+                  <a:gd name="connsiteX4" fmla="*/ 0 w 5486399"/>
+                  <a:gd name="connsiteY4" fmla="*/ 1508654 h 1508654"/>
+                  <a:gd name="connsiteX0" fmla="*/ 0 w 5486399"/>
+                  <a:gd name="connsiteY0" fmla="*/ 1508654 h 1508654"/>
+                  <a:gd name="connsiteX1" fmla="*/ 403909 w 5486399"/>
+                  <a:gd name="connsiteY1" fmla="*/ 0 h 1508654"/>
+                  <a:gd name="connsiteX2" fmla="*/ 4114806 w 5486399"/>
+                  <a:gd name="connsiteY2" fmla="*/ 0 h 1508654"/>
+                  <a:gd name="connsiteX3" fmla="*/ 5486399 w 5486399"/>
+                  <a:gd name="connsiteY3" fmla="*/ 1508654 h 1508654"/>
+                  <a:gd name="connsiteX4" fmla="*/ 0 w 5486399"/>
+                  <a:gd name="connsiteY4" fmla="*/ 1508654 h 1508654"/>
+                  <a:gd name="connsiteX0" fmla="*/ 0 w 5486399"/>
+                  <a:gd name="connsiteY0" fmla="*/ 1508654 h 1508654"/>
+                  <a:gd name="connsiteX1" fmla="*/ 403909 w 5486399"/>
+                  <a:gd name="connsiteY1" fmla="*/ 0 h 1508654"/>
+                  <a:gd name="connsiteX2" fmla="*/ 5047307 w 5486399"/>
+                  <a:gd name="connsiteY2" fmla="*/ 0 h 1508654"/>
+                  <a:gd name="connsiteX3" fmla="*/ 5486399 w 5486399"/>
+                  <a:gd name="connsiteY3" fmla="*/ 1508654 h 1508654"/>
+                  <a:gd name="connsiteX4" fmla="*/ 0 w 5486399"/>
+                  <a:gd name="connsiteY4" fmla="*/ 1508654 h 1508654"/>
+                </a:gdLst>
+                <a:ahLst/>
+                <a:cxnLst>
+                  <a:cxn ang="0">
+                    <a:pos x="connsiteX0" y="connsiteY0"/>
+                  </a:cxn>
+                  <a:cxn ang="0">
+                    <a:pos x="connsiteX1" y="connsiteY1"/>
+                  </a:cxn>
+                  <a:cxn ang="0">
+                    <a:pos x="connsiteX2" y="connsiteY2"/>
+                  </a:cxn>
+                  <a:cxn ang="0">
+                    <a:pos x="connsiteX3" y="connsiteY3"/>
+                  </a:cxn>
+                  <a:cxn ang="0">
+                    <a:pos x="connsiteX4" y="connsiteY4"/>
+                  </a:cxn>
+                </a:cxnLst>
+                <a:rect l="l" t="t" r="r" b="b"/>
+                <a:pathLst>
+                  <a:path w="5486399" h="1508654">
+                    <a:moveTo>
+                      <a:pt x="0" y="1508654"/>
+                    </a:moveTo>
+                    <a:lnTo>
+                      <a:pt x="403909" y="0"/>
+                    </a:lnTo>
+                    <a:lnTo>
+                      <a:pt x="5047307" y="0"/>
+                    </a:lnTo>
+                    <a:lnTo>
+                      <a:pt x="5486399" y="1508654"/>
+                    </a:lnTo>
+                    <a:lnTo>
+                      <a:pt x="0" y="1508654"/>
+                    </a:lnTo>
+                    <a:close/>
+                  </a:path>
+                </a:pathLst>
+              </a:custGeom>
+              <a:solidFill>
+                <a:schemeClr val="accent3">
+                  <a:lumMod val="50000"/>
+                </a:schemeClr>
+              </a:solidFill>
+            </p:spPr>
+            <p:style>
+              <a:lnRef idx="2">
+                <a:schemeClr val="accent3">
+                  <a:shade val="50000"/>
+                </a:schemeClr>
+              </a:lnRef>
+              <a:fillRef idx="1">
+                <a:schemeClr val="accent3"/>
+              </a:fillRef>
+              <a:effectRef idx="0">
+                <a:schemeClr val="accent3"/>
+              </a:effectRef>
+              <a:fontRef idx="minor">
+                <a:schemeClr val="lt1"/>
+              </a:fontRef>
+            </p:style>
+            <p:txBody>
+              <a:bodyPr spcFirstLastPara="0" vert="horz" wrap="square" lIns="1042670" tIns="82550" rIns="1042669" bIns="82550" numCol="1" spcCol="1270" anchor="ctr" anchorCtr="0">
+                <a:noAutofit/>
+              </a:bodyPr>
+              <a:lstStyle/>
+              <a:p>
+                <a:pPr lvl="0" algn="ctr" defTabSz="2889250">
+                  <a:lnSpc>
+                    <a:spcPct val="90000"/>
+                  </a:lnSpc>
+                  <a:spcBef>
+                    <a:spcPct val="0"/>
+                  </a:spcBef>
+                  <a:spcAft>
+                    <a:spcPct val="35000"/>
+                  </a:spcAft>
+                </a:pPr>
+                <a:endParaRPr lang="zh-CN" altLang="en-US" sz="6500" kern="1200"/>
+              </a:p>
+            </p:txBody>
+          </p:sp>
+          <p:sp>
+            <p:nvSpPr>
+              <p:cNvPr id="16" name="任意多边形 15"/>
+              <p:cNvSpPr/>
+              <p:nvPr/>
+            </p:nvSpPr>
+            <p:spPr>
+              <a:xfrm rot="5400000">
+                <a:off x="2202467" y="3232785"/>
+                <a:ext cx="2514428" cy="1260791"/>
+              </a:xfrm>
+              <a:custGeom>
+                <a:avLst/>
+                <a:gdLst>
+                  <a:gd name="connsiteX0" fmla="*/ 0 w 5486399"/>
+                  <a:gd name="connsiteY0" fmla="*/ 1508654 h 1508654"/>
+                  <a:gd name="connsiteX1" fmla="*/ 1371593 w 5486399"/>
+                  <a:gd name="connsiteY1" fmla="*/ 0 h 1508654"/>
+                  <a:gd name="connsiteX2" fmla="*/ 4114806 w 5486399"/>
+                  <a:gd name="connsiteY2" fmla="*/ 0 h 1508654"/>
+                  <a:gd name="connsiteX3" fmla="*/ 5486399 w 5486399"/>
+                  <a:gd name="connsiteY3" fmla="*/ 1508654 h 1508654"/>
+                  <a:gd name="connsiteX4" fmla="*/ 0 w 5486399"/>
+                  <a:gd name="connsiteY4" fmla="*/ 1508654 h 1508654"/>
+                  <a:gd name="connsiteX0" fmla="*/ 0 w 5486399"/>
+                  <a:gd name="connsiteY0" fmla="*/ 1508654 h 1508654"/>
+                  <a:gd name="connsiteX1" fmla="*/ 403909 w 5486399"/>
+                  <a:gd name="connsiteY1" fmla="*/ 0 h 1508654"/>
+                  <a:gd name="connsiteX2" fmla="*/ 4114806 w 5486399"/>
+                  <a:gd name="connsiteY2" fmla="*/ 0 h 1508654"/>
+                  <a:gd name="connsiteX3" fmla="*/ 5486399 w 5486399"/>
+                  <a:gd name="connsiteY3" fmla="*/ 1508654 h 1508654"/>
+                  <a:gd name="connsiteX4" fmla="*/ 0 w 5486399"/>
+                  <a:gd name="connsiteY4" fmla="*/ 1508654 h 1508654"/>
+                  <a:gd name="connsiteX0" fmla="*/ 0 w 5486399"/>
+                  <a:gd name="connsiteY0" fmla="*/ 1508654 h 1508654"/>
+                  <a:gd name="connsiteX1" fmla="*/ 403909 w 5486399"/>
+                  <a:gd name="connsiteY1" fmla="*/ 0 h 1508654"/>
+                  <a:gd name="connsiteX2" fmla="*/ 5047307 w 5486399"/>
+                  <a:gd name="connsiteY2" fmla="*/ 0 h 1508654"/>
+                  <a:gd name="connsiteX3" fmla="*/ 5486399 w 5486399"/>
+                  <a:gd name="connsiteY3" fmla="*/ 1508654 h 1508654"/>
+                  <a:gd name="connsiteX4" fmla="*/ 0 w 5486399"/>
+                  <a:gd name="connsiteY4" fmla="*/ 1508654 h 1508654"/>
+                  <a:gd name="connsiteX0" fmla="*/ 0 w 5486399"/>
+                  <a:gd name="connsiteY0" fmla="*/ 1508654 h 1508654"/>
+                  <a:gd name="connsiteX1" fmla="*/ 150551 w 5486399"/>
+                  <a:gd name="connsiteY1" fmla="*/ 1028381 h 1508654"/>
+                  <a:gd name="connsiteX2" fmla="*/ 5047307 w 5486399"/>
+                  <a:gd name="connsiteY2" fmla="*/ 0 h 1508654"/>
+                  <a:gd name="connsiteX3" fmla="*/ 5486399 w 5486399"/>
+                  <a:gd name="connsiteY3" fmla="*/ 1508654 h 1508654"/>
+                  <a:gd name="connsiteX4" fmla="*/ 0 w 5486399"/>
+                  <a:gd name="connsiteY4" fmla="*/ 1508654 h 1508654"/>
+                  <a:gd name="connsiteX0" fmla="*/ 0 w 5486399"/>
+                  <a:gd name="connsiteY0" fmla="*/ 480273 h 480273"/>
+                  <a:gd name="connsiteX1" fmla="*/ 150551 w 5486399"/>
+                  <a:gd name="connsiteY1" fmla="*/ 0 h 480273"/>
+                  <a:gd name="connsiteX2" fmla="*/ 5395673 w 5486399"/>
+                  <a:gd name="connsiteY2" fmla="*/ 0 h 480273"/>
+                  <a:gd name="connsiteX3" fmla="*/ 5486399 w 5486399"/>
+                  <a:gd name="connsiteY3" fmla="*/ 480273 h 480273"/>
+                  <a:gd name="connsiteX4" fmla="*/ 0 w 5486399"/>
+                  <a:gd name="connsiteY4" fmla="*/ 480273 h 480273"/>
+                </a:gdLst>
+                <a:ahLst/>
+                <a:cxnLst>
+                  <a:cxn ang="0">
+                    <a:pos x="connsiteX0" y="connsiteY0"/>
+                  </a:cxn>
+                  <a:cxn ang="0">
+                    <a:pos x="connsiteX1" y="connsiteY1"/>
+                  </a:cxn>
+                  <a:cxn ang="0">
+                    <a:pos x="connsiteX2" y="connsiteY2"/>
+                  </a:cxn>
+                  <a:cxn ang="0">
+                    <a:pos x="connsiteX3" y="connsiteY3"/>
+                  </a:cxn>
+                  <a:cxn ang="0">
+                    <a:pos x="connsiteX4" y="connsiteY4"/>
+                  </a:cxn>
+                </a:cxnLst>
+                <a:rect l="l" t="t" r="r" b="b"/>
+                <a:pathLst>
+                  <a:path w="5486399" h="480273">
+                    <a:moveTo>
+                      <a:pt x="0" y="480273"/>
+                    </a:moveTo>
+                    <a:lnTo>
+                      <a:pt x="150551" y="0"/>
+                    </a:lnTo>
+                    <a:lnTo>
+                      <a:pt x="5395673" y="0"/>
+                    </a:lnTo>
+                    <a:lnTo>
+                      <a:pt x="5486399" y="480273"/>
+                    </a:lnTo>
+                    <a:lnTo>
+                      <a:pt x="0" y="480273"/>
+                    </a:lnTo>
+                    <a:close/>
+                  </a:path>
+                </a:pathLst>
+              </a:custGeom>
+              <a:solidFill>
+                <a:schemeClr val="accent3">
+                  <a:lumMod val="75000"/>
+                </a:schemeClr>
+              </a:solidFill>
+            </p:spPr>
+            <p:style>
+              <a:lnRef idx="2">
+                <a:schemeClr val="accent3">
+                  <a:shade val="50000"/>
+                </a:schemeClr>
+              </a:lnRef>
+              <a:fillRef idx="1">
+                <a:schemeClr val="accent3"/>
+              </a:fillRef>
+              <a:effectRef idx="0">
+                <a:schemeClr val="accent3"/>
+              </a:effectRef>
+              <a:fontRef idx="minor">
+                <a:schemeClr val="lt1"/>
+              </a:fontRef>
+            </p:style>
+            <p:txBody>
+              <a:bodyPr spcFirstLastPara="0" vert="horz" wrap="square" lIns="1042670" tIns="82550" rIns="1042669" bIns="82550" numCol="1" spcCol="1270" anchor="ctr" anchorCtr="0">
+                <a:noAutofit/>
+              </a:bodyPr>
+              <a:lstStyle/>
+              <a:p>
+                <a:pPr lvl="0" algn="ctr" defTabSz="2889250">
+                  <a:lnSpc>
+                    <a:spcPct val="90000"/>
+                  </a:lnSpc>
+                  <a:spcBef>
+                    <a:spcPct val="0"/>
+                  </a:spcBef>
+                  <a:spcAft>
+                    <a:spcPct val="35000"/>
+                  </a:spcAft>
+                </a:pPr>
+                <a:endParaRPr lang="zh-CN" altLang="en-US" sz="6500" kern="1200"/>
+              </a:p>
+            </p:txBody>
+          </p:sp>
+        </p:grpSp>
+        <p:sp>
+          <p:nvSpPr>
+            <p:cNvPr id="19" name="右箭头标注 18"/>
+            <p:cNvSpPr/>
+            <p:nvPr/>
+          </p:nvSpPr>
+          <p:spPr>
+            <a:xfrm>
+              <a:off x="-180528" y="3284984"/>
+              <a:ext cx="3528392" cy="1152128"/>
+            </a:xfrm>
+            <a:prstGeom prst="rightArrowCallout">
+              <a:avLst>
+                <a:gd name="adj1" fmla="val 63114"/>
+                <a:gd name="adj2" fmla="val 42146"/>
+                <a:gd name="adj3" fmla="val 0"/>
+                <a:gd name="adj4" fmla="val 11458"/>
+              </a:avLst>
+            </a:prstGeom>
+            <a:effectLst>
+              <a:outerShdw blurRad="50800" dist="38100" dir="10800000" algn="r" rotWithShape="0">
+                <a:prstClr val="black">
+                  <a:alpha val="40000"/>
+                </a:prstClr>
+              </a:outerShdw>
+            </a:effectLst>
+          </p:spPr>
+          <p:style>
+            <a:lnRef idx="1">
+              <a:schemeClr val="accent3"/>
+            </a:lnRef>
+            <a:fillRef idx="3">
+              <a:schemeClr val="accent3"/>
+            </a:fillRef>
+            <a:effectRef idx="2">
+              <a:schemeClr val="accent3"/>
+            </a:effectRef>
+            <a:fontRef idx="minor">
+              <a:schemeClr val="lt1"/>
+            </a:fontRef>
+          </p:style>
+          <p:txBody>
+            <a:bodyPr rtlCol="0" anchor="ctr"/>
+            <a:lstStyle/>
+            <a:p>
+              <a:pPr algn="ctr"/>
+              <a:endParaRPr lang="zh-CN" altLang="en-US"/>
+            </a:p>
+          </p:txBody>
+        </p:sp>
+      </p:grpSp>
+    </p:spTree>
+    <p:extLst>
+      <p:ext uri="{BB962C8B-B14F-4D97-AF65-F5344CB8AC3E}">
+        <p14:creationId xmlns:p14="http://schemas.microsoft.com/office/powerpoint/2010/main" val="176860918"/>
+      </p:ext>
+    </p:extLst>
+  </p:cSld>
+  <p:clrMapOvr>
+    <a:masterClrMapping/>
+  </p:clrMapOvr>
+</p:sld>
+</file>
+
+<file path=ppt/slides/slide12.xml><?xml version="1.0" encoding="utf-8"?>
+<p:sld xmlns:a="http://schemas.openxmlformats.org/drawingml/2006/main" xmlns:r="http://schemas.openxmlformats.org/officeDocument/2006/relationships" xmlns:p="http://schemas.openxmlformats.org/presentationml/2006/main">
+  <p:cSld>
+    <p:spTree>
+      <p:nvGrpSpPr>
+        <p:cNvPr id="1" name=""/>
+        <p:cNvGrpSpPr/>
+        <p:nvPr/>
+      </p:nvGrpSpPr>
+      <p:grpSpPr>
+        <a:xfrm>
+          <a:off x="0" y="0"/>
+          <a:ext cx="0" cy="0"/>
+          <a:chOff x="0" y="0"/>
+          <a:chExt cx="0" cy="0"/>
+        </a:xfrm>
+      </p:grpSpPr>
+      <p:sp>
+        <p:nvSpPr>
+          <p:cNvPr id="2" name="标题 1"/>
+          <p:cNvSpPr>
+            <a:spLocks noGrp="1"/>
+          </p:cNvSpPr>
+          <p:nvPr>
+            <p:ph type="title"/>
+          </p:nvPr>
+        </p:nvSpPr>
+        <p:spPr/>
+        <p:txBody>
+          <a:bodyPr/>
+          <a:lstStyle/>
+          <a:p>
+            <a:endParaRPr lang="zh-CN" altLang="en-US"/>
+          </a:p>
+        </p:txBody>
+      </p:sp>
+      <p:sp>
+        <p:nvSpPr>
+          <p:cNvPr id="6" name="任意多边形 5"/>
+          <p:cNvSpPr/>
+          <p:nvPr/>
+        </p:nvSpPr>
+        <p:spPr>
+          <a:xfrm>
+            <a:off x="3200400" y="1600200"/>
+            <a:ext cx="2743199" cy="1508654"/>
+          </a:xfrm>
+          <a:custGeom>
+            <a:avLst/>
+            <a:gdLst>
+              <a:gd name="connsiteX0" fmla="*/ 0 w 2743199"/>
+              <a:gd name="connsiteY0" fmla="*/ 1508654 h 1508654"/>
+              <a:gd name="connsiteX1" fmla="*/ 1371593 w 2743199"/>
+              <a:gd name="connsiteY1" fmla="*/ 0 h 1508654"/>
+              <a:gd name="connsiteX2" fmla="*/ 1371606 w 2743199"/>
+              <a:gd name="connsiteY2" fmla="*/ 0 h 1508654"/>
+              <a:gd name="connsiteX3" fmla="*/ 2743199 w 2743199"/>
+              <a:gd name="connsiteY3" fmla="*/ 1508654 h 1508654"/>
+              <a:gd name="connsiteX4" fmla="*/ 0 w 2743199"/>
+              <a:gd name="connsiteY4" fmla="*/ 1508654 h 1508654"/>
+            </a:gdLst>
+            <a:ahLst/>
+            <a:cxnLst>
+              <a:cxn ang="0">
+                <a:pos x="connsiteX0" y="connsiteY0"/>
+              </a:cxn>
+              <a:cxn ang="0">
+                <a:pos x="connsiteX1" y="connsiteY1"/>
+              </a:cxn>
+              <a:cxn ang="0">
+                <a:pos x="connsiteX2" y="connsiteY2"/>
+              </a:cxn>
+              <a:cxn ang="0">
+                <a:pos x="connsiteX3" y="connsiteY3"/>
+              </a:cxn>
+              <a:cxn ang="0">
+                <a:pos x="connsiteX4" y="connsiteY4"/>
+              </a:cxn>
+            </a:cxnLst>
+            <a:rect l="l" t="t" r="r" b="b"/>
+            <a:pathLst>
+              <a:path w="2743199" h="1508654">
+                <a:moveTo>
+                  <a:pt x="0" y="1508654"/>
+                </a:moveTo>
+                <a:lnTo>
+                  <a:pt x="1371593" y="0"/>
+                </a:lnTo>
+                <a:lnTo>
+                  <a:pt x="1371606" y="0"/>
+                </a:lnTo>
+                <a:lnTo>
+                  <a:pt x="2743199" y="1508654"/>
+                </a:lnTo>
+                <a:lnTo>
+                  <a:pt x="0" y="1508654"/>
+                </a:lnTo>
+                <a:close/>
+              </a:path>
+            </a:pathLst>
+          </a:custGeom>
+        </p:spPr>
+        <p:style>
+          <a:lnRef idx="2">
+            <a:schemeClr val="lt1">
+              <a:hueOff val="0"/>
+              <a:satOff val="0"/>
+              <a:lumOff val="0"/>
+              <a:alphaOff val="0"/>
+            </a:schemeClr>
+          </a:lnRef>
+          <a:fillRef idx="1">
+            <a:schemeClr val="accent1">
+              <a:hueOff val="0"/>
+              <a:satOff val="0"/>
+              <a:lumOff val="0"/>
+              <a:alphaOff val="0"/>
+            </a:schemeClr>
+          </a:fillRef>
+          <a:effectRef idx="0">
+            <a:schemeClr val="accent1">
+              <a:hueOff val="0"/>
+              <a:satOff val="0"/>
+              <a:lumOff val="0"/>
+              <a:alphaOff val="0"/>
+            </a:schemeClr>
+          </a:effectRef>
+          <a:fontRef idx="minor">
+            <a:schemeClr val="lt1"/>
+          </a:fontRef>
+        </p:style>
+        <p:txBody>
+          <a:bodyPr spcFirstLastPara="0" vert="horz" wrap="square" lIns="82550" tIns="82550" rIns="82550" bIns="82550" numCol="1" spcCol="1270" anchor="ctr" anchorCtr="0">
+            <a:noAutofit/>
+          </a:bodyPr>
+          <a:lstStyle/>
+          <a:p>
+            <a:pPr lvl="0" algn="ctr" defTabSz="2889250">
+              <a:lnSpc>
+                <a:spcPct val="90000"/>
+              </a:lnSpc>
+              <a:spcBef>
+                <a:spcPct val="0"/>
+              </a:spcBef>
+              <a:spcAft>
+                <a:spcPct val="35000"/>
+              </a:spcAft>
+            </a:pPr>
+            <a:endParaRPr lang="zh-CN" altLang="en-US" sz="6500" kern="1200"/>
+          </a:p>
+        </p:txBody>
+      </p:sp>
+      <p:sp>
+        <p:nvSpPr>
+          <p:cNvPr id="7" name="任意多边形 6"/>
+          <p:cNvSpPr/>
+          <p:nvPr/>
+        </p:nvSpPr>
+        <p:spPr>
+          <a:xfrm>
+            <a:off x="1828800" y="3108854"/>
+            <a:ext cx="5486399" cy="1508654"/>
+          </a:xfrm>
+          <a:custGeom>
+            <a:avLst/>
+            <a:gdLst>
+              <a:gd name="connsiteX0" fmla="*/ 0 w 5486399"/>
+              <a:gd name="connsiteY0" fmla="*/ 1508654 h 1508654"/>
+              <a:gd name="connsiteX1" fmla="*/ 1371593 w 5486399"/>
+              <a:gd name="connsiteY1" fmla="*/ 0 h 1508654"/>
+              <a:gd name="connsiteX2" fmla="*/ 4114806 w 5486399"/>
+              <a:gd name="connsiteY2" fmla="*/ 0 h 1508654"/>
+              <a:gd name="connsiteX3" fmla="*/ 5486399 w 5486399"/>
+              <a:gd name="connsiteY3" fmla="*/ 1508654 h 1508654"/>
+              <a:gd name="connsiteX4" fmla="*/ 0 w 5486399"/>
+              <a:gd name="connsiteY4" fmla="*/ 1508654 h 1508654"/>
+            </a:gdLst>
+            <a:ahLst/>
+            <a:cxnLst>
+              <a:cxn ang="0">
+                <a:pos x="connsiteX0" y="connsiteY0"/>
+              </a:cxn>
+              <a:cxn ang="0">
+                <a:pos x="connsiteX1" y="connsiteY1"/>
+              </a:cxn>
+              <a:cxn ang="0">
+                <a:pos x="connsiteX2" y="connsiteY2"/>
+              </a:cxn>
+              <a:cxn ang="0">
+                <a:pos x="connsiteX3" y="connsiteY3"/>
+              </a:cxn>
+              <a:cxn ang="0">
+                <a:pos x="connsiteX4" y="connsiteY4"/>
+              </a:cxn>
+            </a:cxnLst>
+            <a:rect l="l" t="t" r="r" b="b"/>
+            <a:pathLst>
+              <a:path w="5486399" h="1508654">
+                <a:moveTo>
+                  <a:pt x="0" y="1508654"/>
+                </a:moveTo>
+                <a:lnTo>
+                  <a:pt x="1371593" y="0"/>
+                </a:lnTo>
+                <a:lnTo>
+                  <a:pt x="4114806" y="0"/>
+                </a:lnTo>
+                <a:lnTo>
+                  <a:pt x="5486399" y="1508654"/>
+                </a:lnTo>
+                <a:lnTo>
+                  <a:pt x="0" y="1508654"/>
+                </a:lnTo>
+                <a:close/>
+              </a:path>
+            </a:pathLst>
+          </a:custGeom>
+        </p:spPr>
+        <p:style>
+          <a:lnRef idx="2">
+            <a:schemeClr val="lt1">
+              <a:hueOff val="0"/>
+              <a:satOff val="0"/>
+              <a:lumOff val="0"/>
+              <a:alphaOff val="0"/>
+            </a:schemeClr>
+          </a:lnRef>
+          <a:fillRef idx="1">
+            <a:schemeClr val="accent1">
+              <a:hueOff val="0"/>
+              <a:satOff val="0"/>
+              <a:lumOff val="0"/>
+              <a:alphaOff val="0"/>
+            </a:schemeClr>
+          </a:fillRef>
+          <a:effectRef idx="0">
+            <a:schemeClr val="accent1">
+              <a:hueOff val="0"/>
+              <a:satOff val="0"/>
+              <a:lumOff val="0"/>
+              <a:alphaOff val="0"/>
+            </a:schemeClr>
+          </a:effectRef>
+          <a:fontRef idx="minor">
+            <a:schemeClr val="lt1"/>
+          </a:fontRef>
+        </p:style>
+        <p:txBody>
+          <a:bodyPr spcFirstLastPara="0" vert="horz" wrap="square" lIns="1042670" tIns="82550" rIns="1042669" bIns="82550" numCol="1" spcCol="1270" anchor="ctr" anchorCtr="0">
+            <a:noAutofit/>
+          </a:bodyPr>
+          <a:lstStyle/>
+          <a:p>
+            <a:pPr lvl="0" algn="ctr" defTabSz="2889250">
+              <a:lnSpc>
+                <a:spcPct val="90000"/>
+              </a:lnSpc>
+              <a:spcBef>
+                <a:spcPct val="0"/>
+              </a:spcBef>
+              <a:spcAft>
+                <a:spcPct val="35000"/>
+              </a:spcAft>
+            </a:pPr>
+            <a:endParaRPr lang="zh-CN" altLang="en-US" sz="6500" kern="1200"/>
+          </a:p>
+        </p:txBody>
+      </p:sp>
+      <p:sp>
+        <p:nvSpPr>
+          <p:cNvPr id="8" name="任意多边形 7"/>
+          <p:cNvSpPr/>
+          <p:nvPr/>
+        </p:nvSpPr>
+        <p:spPr>
+          <a:xfrm>
+            <a:off x="457200" y="4617508"/>
+            <a:ext cx="8229600" cy="1508654"/>
+          </a:xfrm>
+          <a:custGeom>
+            <a:avLst/>
+            <a:gdLst>
+              <a:gd name="connsiteX0" fmla="*/ 0 w 8229600"/>
+              <a:gd name="connsiteY0" fmla="*/ 1508654 h 1508654"/>
+              <a:gd name="connsiteX1" fmla="*/ 1371593 w 8229600"/>
+              <a:gd name="connsiteY1" fmla="*/ 0 h 1508654"/>
+              <a:gd name="connsiteX2" fmla="*/ 6858007 w 8229600"/>
+              <a:gd name="connsiteY2" fmla="*/ 0 h 1508654"/>
+              <a:gd name="connsiteX3" fmla="*/ 8229600 w 8229600"/>
+              <a:gd name="connsiteY3" fmla="*/ 1508654 h 1508654"/>
+              <a:gd name="connsiteX4" fmla="*/ 0 w 8229600"/>
+              <a:gd name="connsiteY4" fmla="*/ 1508654 h 1508654"/>
+            </a:gdLst>
+            <a:ahLst/>
+            <a:cxnLst>
+              <a:cxn ang="0">
+                <a:pos x="connsiteX0" y="connsiteY0"/>
+              </a:cxn>
+              <a:cxn ang="0">
+                <a:pos x="connsiteX1" y="connsiteY1"/>
+              </a:cxn>
+              <a:cxn ang="0">
+                <a:pos x="connsiteX2" y="connsiteY2"/>
+              </a:cxn>
+              <a:cxn ang="0">
+                <a:pos x="connsiteX3" y="connsiteY3"/>
+              </a:cxn>
+              <a:cxn ang="0">
+                <a:pos x="connsiteX4" y="connsiteY4"/>
+              </a:cxn>
+            </a:cxnLst>
+            <a:rect l="l" t="t" r="r" b="b"/>
+            <a:pathLst>
+              <a:path w="8229600" h="1508654">
+                <a:moveTo>
+                  <a:pt x="0" y="1508654"/>
+                </a:moveTo>
+                <a:lnTo>
+                  <a:pt x="1371593" y="0"/>
+                </a:lnTo>
+                <a:lnTo>
+                  <a:pt x="6858007" y="0"/>
+                </a:lnTo>
+                <a:lnTo>
+                  <a:pt x="8229600" y="1508654"/>
+                </a:lnTo>
+                <a:lnTo>
+                  <a:pt x="0" y="1508654"/>
+                </a:lnTo>
+                <a:close/>
+              </a:path>
+            </a:pathLst>
+          </a:custGeom>
+        </p:spPr>
+        <p:style>
+          <a:lnRef idx="2">
+            <a:schemeClr val="lt1">
+              <a:hueOff val="0"/>
+              <a:satOff val="0"/>
+              <a:lumOff val="0"/>
+              <a:alphaOff val="0"/>
+            </a:schemeClr>
+          </a:lnRef>
+          <a:fillRef idx="1">
+            <a:schemeClr val="accent1">
+              <a:hueOff val="0"/>
+              <a:satOff val="0"/>
+              <a:lumOff val="0"/>
+              <a:alphaOff val="0"/>
+            </a:schemeClr>
+          </a:fillRef>
+          <a:effectRef idx="0">
+            <a:schemeClr val="accent1">
+              <a:hueOff val="0"/>
+              <a:satOff val="0"/>
+              <a:lumOff val="0"/>
+              <a:alphaOff val="0"/>
+            </a:schemeClr>
+          </a:effectRef>
+          <a:fontRef idx="minor">
+            <a:schemeClr val="lt1"/>
+          </a:fontRef>
+        </p:style>
+        <p:txBody>
+          <a:bodyPr spcFirstLastPara="0" vert="horz" wrap="square" lIns="1522729" tIns="82550" rIns="1522731" bIns="82550" numCol="1" spcCol="1270" anchor="ctr" anchorCtr="0">
+            <a:noAutofit/>
+          </a:bodyPr>
+          <a:lstStyle/>
+          <a:p>
+            <a:pPr lvl="0" algn="ctr" defTabSz="2889250">
+              <a:lnSpc>
+                <a:spcPct val="90000"/>
+              </a:lnSpc>
+              <a:spcBef>
+                <a:spcPct val="0"/>
+              </a:spcBef>
+              <a:spcAft>
+                <a:spcPct val="35000"/>
+              </a:spcAft>
+            </a:pPr>
+            <a:endParaRPr lang="zh-CN" altLang="en-US" sz="6500" kern="1200"/>
+          </a:p>
+        </p:txBody>
+      </p:sp>
+    </p:spTree>
+    <p:extLst>
+      <p:ext uri="{BB962C8B-B14F-4D97-AF65-F5344CB8AC3E}">
+        <p14:creationId xmlns:p14="http://schemas.microsoft.com/office/powerpoint/2010/main" val="922472705"/>
+      </p:ext>
+    </p:extLst>
+  </p:cSld>
+  <p:clrMapOvr>
+    <a:masterClrMapping/>
+  </p:clrMapOvr>
+</p:sld>
+</file>
+
+<file path=ppt/slides/slide13.xml><?xml version="1.0" encoding="utf-8"?>
+<p:sld xmlns:a="http://schemas.openxmlformats.org/drawingml/2006/main" xmlns:r="http://schemas.openxmlformats.org/officeDocument/2006/relationships" xmlns:p="http://schemas.openxmlformats.org/presentationml/2006/main">
+  <p:cSld>
+    <p:spTree>
+      <p:nvGrpSpPr>
+        <p:cNvPr id="1" name=""/>
+        <p:cNvGrpSpPr/>
+        <p:nvPr/>
+      </p:nvGrpSpPr>
+      <p:grpSpPr>
+        <a:xfrm>
+          <a:off x="0" y="0"/>
+          <a:ext cx="0" cy="0"/>
+          <a:chOff x="0" y="0"/>
+          <a:chExt cx="0" cy="0"/>
+        </a:xfrm>
+      </p:grpSpPr>
+      <p:sp>
+        <p:nvSpPr>
+          <p:cNvPr id="2" name="标题 1"/>
+          <p:cNvSpPr>
+            <a:spLocks noGrp="1"/>
+          </p:cNvSpPr>
+          <p:nvPr>
+            <p:ph type="title"/>
+          </p:nvPr>
+        </p:nvSpPr>
+        <p:spPr/>
+        <p:txBody>
+          <a:bodyPr/>
+          <a:lstStyle/>
+          <a:p>
+            <a:endParaRPr lang="zh-CN" altLang="en-US"/>
+          </a:p>
+        </p:txBody>
+      </p:sp>
+      <p:sp>
+        <p:nvSpPr>
+          <p:cNvPr id="6" name="任意多边形 5"/>
+          <p:cNvSpPr/>
+          <p:nvPr/>
+        </p:nvSpPr>
+        <p:spPr>
+          <a:xfrm>
+            <a:off x="2671095" y="1962277"/>
+            <a:ext cx="3801808" cy="3801808"/>
+          </a:xfrm>
+          <a:custGeom>
+            <a:avLst/>
+            <a:gdLst>
+              <a:gd name="connsiteX0" fmla="*/ 0 w 3801808"/>
+              <a:gd name="connsiteY0" fmla="*/ 1900904 h 3801808"/>
+              <a:gd name="connsiteX1" fmla="*/ 1900904 w 3801808"/>
+              <a:gd name="connsiteY1" fmla="*/ 0 h 3801808"/>
+              <a:gd name="connsiteX2" fmla="*/ 3801808 w 3801808"/>
+              <a:gd name="connsiteY2" fmla="*/ 1900904 h 3801808"/>
+              <a:gd name="connsiteX3" fmla="*/ 1900904 w 3801808"/>
+              <a:gd name="connsiteY3" fmla="*/ 3801808 h 3801808"/>
+              <a:gd name="connsiteX4" fmla="*/ 0 w 3801808"/>
+              <a:gd name="connsiteY4" fmla="*/ 1900904 h 3801808"/>
+            </a:gdLst>
+            <a:ahLst/>
+            <a:cxnLst>
+              <a:cxn ang="0">
+                <a:pos x="connsiteX0" y="connsiteY0"/>
+              </a:cxn>
+              <a:cxn ang="0">
+                <a:pos x="connsiteX1" y="connsiteY1"/>
+              </a:cxn>
+              <a:cxn ang="0">
+                <a:pos x="connsiteX2" y="connsiteY2"/>
+              </a:cxn>
+              <a:cxn ang="0">
+                <a:pos x="connsiteX3" y="connsiteY3"/>
+              </a:cxn>
+              <a:cxn ang="0">
+                <a:pos x="connsiteX4" y="connsiteY4"/>
+              </a:cxn>
+            </a:cxnLst>
+            <a:rect l="l" t="t" r="r" b="b"/>
+            <a:pathLst>
+              <a:path w="3801808" h="3801808">
+                <a:moveTo>
+                  <a:pt x="0" y="1900904"/>
+                </a:moveTo>
+                <a:cubicBezTo>
+                  <a:pt x="0" y="851064"/>
+                  <a:pt x="851064" y="0"/>
+                  <a:pt x="1900904" y="0"/>
+                </a:cubicBezTo>
+                <a:cubicBezTo>
+                  <a:pt x="2950744" y="0"/>
+                  <a:pt x="3801808" y="851064"/>
+                  <a:pt x="3801808" y="1900904"/>
+                </a:cubicBezTo>
+                <a:cubicBezTo>
+                  <a:pt x="3801808" y="2950744"/>
+                  <a:pt x="2950744" y="3801808"/>
+                  <a:pt x="1900904" y="3801808"/>
+                </a:cubicBezTo>
+                <a:cubicBezTo>
+                  <a:pt x="851064" y="3801808"/>
+                  <a:pt x="0" y="2950744"/>
+                  <a:pt x="0" y="1900904"/>
+                </a:cubicBezTo>
+                <a:close/>
+              </a:path>
+            </a:pathLst>
+          </a:custGeom>
+        </p:spPr>
+        <p:style>
+          <a:lnRef idx="1">
+            <a:schemeClr val="accent2"/>
+          </a:lnRef>
+          <a:fillRef idx="2">
+            <a:schemeClr val="accent2"/>
+          </a:fillRef>
+          <a:effectRef idx="1">
+            <a:schemeClr val="accent2"/>
+          </a:effectRef>
+          <a:fontRef idx="minor">
+            <a:schemeClr val="dk1"/>
+          </a:fontRef>
+        </p:style>
+        <p:txBody>
+          <a:bodyPr spcFirstLastPara="0" vert="horz" wrap="square" lIns="716185" tIns="716184" rIns="716184" bIns="716185" numCol="1" spcCol="1270" anchor="ctr" anchorCtr="0">
+            <a:noAutofit/>
+          </a:bodyPr>
+          <a:lstStyle/>
+          <a:p>
+            <a:pPr lvl="0" algn="ctr" defTabSz="2889250">
+              <a:lnSpc>
+                <a:spcPct val="90000"/>
+              </a:lnSpc>
+              <a:spcBef>
+                <a:spcPct val="0"/>
+              </a:spcBef>
+              <a:spcAft>
+                <a:spcPct val="35000"/>
+              </a:spcAft>
+            </a:pPr>
+            <a:endParaRPr lang="zh-CN" altLang="en-US" sz="6500" kern="1200"/>
+          </a:p>
+        </p:txBody>
+      </p:sp>
+    </p:spTree>
+    <p:extLst>
+      <p:ext uri="{BB962C8B-B14F-4D97-AF65-F5344CB8AC3E}">
+        <p14:creationId xmlns:p14="http://schemas.microsoft.com/office/powerpoint/2010/main" val="1254737290"/>
       </p:ext>
     </p:extLst>
   </p:cSld>

--- a/TankHero.pptx
+++ b/TankHero.pptx
@@ -18,6 +18,9 @@
     <p:sldId id="270" r:id="rId12"/>
     <p:sldId id="271" r:id="rId13"/>
     <p:sldId id="272" r:id="rId14"/>
+    <p:sldId id="273" r:id="rId15"/>
+    <p:sldId id="274" r:id="rId16"/>
+    <p:sldId id="275" r:id="rId17"/>
   </p:sldIdLst>
   <p:sldSz cx="9144000" cy="6858000" type="screen4x3"/>
   <p:notesSz cx="6858000" cy="9144000"/>
@@ -300,7 +303,7 @@
           <a:p>
             <a:fld id="{EF65D2AA-D73F-470C-8AB1-14029EAFFB0B}" type="datetimeFigureOut">
               <a:rPr lang="zh-CN" altLang="en-US" smtClean="0"/>
-              <a:t>2015/1/29</a:t>
+              <a:t>2015/2/1</a:t>
             </a:fld>
             <a:endParaRPr lang="zh-CN" altLang="en-US"/>
           </a:p>
@@ -470,7 +473,7 @@
           <a:p>
             <a:fld id="{EF65D2AA-D73F-470C-8AB1-14029EAFFB0B}" type="datetimeFigureOut">
               <a:rPr lang="zh-CN" altLang="en-US" smtClean="0"/>
-              <a:t>2015/1/29</a:t>
+              <a:t>2015/2/1</a:t>
             </a:fld>
             <a:endParaRPr lang="zh-CN" altLang="en-US"/>
           </a:p>
@@ -650,7 +653,7 @@
           <a:p>
             <a:fld id="{EF65D2AA-D73F-470C-8AB1-14029EAFFB0B}" type="datetimeFigureOut">
               <a:rPr lang="zh-CN" altLang="en-US" smtClean="0"/>
-              <a:t>2015/1/29</a:t>
+              <a:t>2015/2/1</a:t>
             </a:fld>
             <a:endParaRPr lang="zh-CN" altLang="en-US"/>
           </a:p>
@@ -820,7 +823,7 @@
           <a:p>
             <a:fld id="{EF65D2AA-D73F-470C-8AB1-14029EAFFB0B}" type="datetimeFigureOut">
               <a:rPr lang="zh-CN" altLang="en-US" smtClean="0"/>
-              <a:t>2015/1/29</a:t>
+              <a:t>2015/2/1</a:t>
             </a:fld>
             <a:endParaRPr lang="zh-CN" altLang="en-US"/>
           </a:p>
@@ -1066,7 +1069,7 @@
           <a:p>
             <a:fld id="{EF65D2AA-D73F-470C-8AB1-14029EAFFB0B}" type="datetimeFigureOut">
               <a:rPr lang="zh-CN" altLang="en-US" smtClean="0"/>
-              <a:t>2015/1/29</a:t>
+              <a:t>2015/2/1</a:t>
             </a:fld>
             <a:endParaRPr lang="zh-CN" altLang="en-US"/>
           </a:p>
@@ -1354,7 +1357,7 @@
           <a:p>
             <a:fld id="{EF65D2AA-D73F-470C-8AB1-14029EAFFB0B}" type="datetimeFigureOut">
               <a:rPr lang="zh-CN" altLang="en-US" smtClean="0"/>
-              <a:t>2015/1/29</a:t>
+              <a:t>2015/2/1</a:t>
             </a:fld>
             <a:endParaRPr lang="zh-CN" altLang="en-US"/>
           </a:p>
@@ -1776,7 +1779,7 @@
           <a:p>
             <a:fld id="{EF65D2AA-D73F-470C-8AB1-14029EAFFB0B}" type="datetimeFigureOut">
               <a:rPr lang="zh-CN" altLang="en-US" smtClean="0"/>
-              <a:t>2015/1/29</a:t>
+              <a:t>2015/2/1</a:t>
             </a:fld>
             <a:endParaRPr lang="zh-CN" altLang="en-US"/>
           </a:p>
@@ -1894,7 +1897,7 @@
           <a:p>
             <a:fld id="{EF65D2AA-D73F-470C-8AB1-14029EAFFB0B}" type="datetimeFigureOut">
               <a:rPr lang="zh-CN" altLang="en-US" smtClean="0"/>
-              <a:t>2015/1/29</a:t>
+              <a:t>2015/2/1</a:t>
             </a:fld>
             <a:endParaRPr lang="zh-CN" altLang="en-US"/>
           </a:p>
@@ -1989,7 +1992,7 @@
           <a:p>
             <a:fld id="{EF65D2AA-D73F-470C-8AB1-14029EAFFB0B}" type="datetimeFigureOut">
               <a:rPr lang="zh-CN" altLang="en-US" smtClean="0"/>
-              <a:t>2015/1/29</a:t>
+              <a:t>2015/2/1</a:t>
             </a:fld>
             <a:endParaRPr lang="zh-CN" altLang="en-US"/>
           </a:p>
@@ -2266,7 +2269,7 @@
           <a:p>
             <a:fld id="{EF65D2AA-D73F-470C-8AB1-14029EAFFB0B}" type="datetimeFigureOut">
               <a:rPr lang="zh-CN" altLang="en-US" smtClean="0"/>
-              <a:t>2015/1/29</a:t>
+              <a:t>2015/2/1</a:t>
             </a:fld>
             <a:endParaRPr lang="zh-CN" altLang="en-US"/>
           </a:p>
@@ -2519,7 +2522,7 @@
           <a:p>
             <a:fld id="{EF65D2AA-D73F-470C-8AB1-14029EAFFB0B}" type="datetimeFigureOut">
               <a:rPr lang="zh-CN" altLang="en-US" smtClean="0"/>
-              <a:t>2015/1/29</a:t>
+              <a:t>2015/2/1</a:t>
             </a:fld>
             <a:endParaRPr lang="zh-CN" altLang="en-US"/>
           </a:p>
@@ -2732,7 +2735,7 @@
           <a:p>
             <a:fld id="{EF65D2AA-D73F-470C-8AB1-14029EAFFB0B}" type="datetimeFigureOut">
               <a:rPr lang="zh-CN" altLang="en-US" smtClean="0"/>
-              <a:t>2015/1/29</a:t>
+              <a:t>2015/2/1</a:t>
             </a:fld>
             <a:endParaRPr lang="zh-CN" altLang="en-US"/>
           </a:p>
@@ -5627,6 +5630,407 @@
     <p:extLst>
       <p:ext uri="{BB962C8B-B14F-4D97-AF65-F5344CB8AC3E}">
         <p14:creationId xmlns:p14="http://schemas.microsoft.com/office/powerpoint/2010/main" val="1254737290"/>
+      </p:ext>
+    </p:extLst>
+  </p:cSld>
+  <p:clrMapOvr>
+    <a:masterClrMapping/>
+  </p:clrMapOvr>
+</p:sld>
+</file>
+
+<file path=ppt/slides/slide14.xml><?xml version="1.0" encoding="utf-8"?>
+<p:sld xmlns:a="http://schemas.openxmlformats.org/drawingml/2006/main" xmlns:r="http://schemas.openxmlformats.org/officeDocument/2006/relationships" xmlns:p="http://schemas.openxmlformats.org/presentationml/2006/main">
+  <p:cSld>
+    <p:spTree>
+      <p:nvGrpSpPr>
+        <p:cNvPr id="1" name=""/>
+        <p:cNvGrpSpPr/>
+        <p:nvPr/>
+      </p:nvGrpSpPr>
+      <p:grpSpPr>
+        <a:xfrm>
+          <a:off x="0" y="0"/>
+          <a:ext cx="0" cy="0"/>
+          <a:chOff x="0" y="0"/>
+          <a:chExt cx="0" cy="0"/>
+        </a:xfrm>
+      </p:grpSpPr>
+      <p:sp>
+        <p:nvSpPr>
+          <p:cNvPr id="2" name="标题 1"/>
+          <p:cNvSpPr>
+            <a:spLocks noGrp="1"/>
+          </p:cNvSpPr>
+          <p:nvPr>
+            <p:ph type="title"/>
+          </p:nvPr>
+        </p:nvSpPr>
+        <p:spPr/>
+        <p:txBody>
+          <a:bodyPr/>
+          <a:lstStyle/>
+          <a:p>
+            <a:endParaRPr lang="zh-CN" altLang="en-US"/>
+          </a:p>
+        </p:txBody>
+      </p:sp>
+      <p:sp>
+        <p:nvSpPr>
+          <p:cNvPr id="6" name="任意多边形 5"/>
+          <p:cNvSpPr>
+            <a:spLocks noChangeAspect="1"/>
+          </p:cNvSpPr>
+          <p:nvPr/>
+        </p:nvSpPr>
+        <p:spPr>
+          <a:xfrm>
+            <a:off x="802779" y="2060848"/>
+            <a:ext cx="904613" cy="83568"/>
+          </a:xfrm>
+          <a:custGeom>
+            <a:avLst/>
+            <a:gdLst>
+              <a:gd name="connsiteX0" fmla="*/ 0 w 7538442"/>
+              <a:gd name="connsiteY0" fmla="*/ 0 h 4523065"/>
+              <a:gd name="connsiteX1" fmla="*/ 7538442 w 7538442"/>
+              <a:gd name="connsiteY1" fmla="*/ 0 h 4523065"/>
+              <a:gd name="connsiteX2" fmla="*/ 7538442 w 7538442"/>
+              <a:gd name="connsiteY2" fmla="*/ 4523065 h 4523065"/>
+              <a:gd name="connsiteX3" fmla="*/ 0 w 7538442"/>
+              <a:gd name="connsiteY3" fmla="*/ 4523065 h 4523065"/>
+              <a:gd name="connsiteX4" fmla="*/ 0 w 7538442"/>
+              <a:gd name="connsiteY4" fmla="*/ 0 h 4523065"/>
+            </a:gdLst>
+            <a:ahLst/>
+            <a:cxnLst>
+              <a:cxn ang="0">
+                <a:pos x="connsiteX0" y="connsiteY0"/>
+              </a:cxn>
+              <a:cxn ang="0">
+                <a:pos x="connsiteX1" y="connsiteY1"/>
+              </a:cxn>
+              <a:cxn ang="0">
+                <a:pos x="connsiteX2" y="connsiteY2"/>
+              </a:cxn>
+              <a:cxn ang="0">
+                <a:pos x="connsiteX3" y="connsiteY3"/>
+              </a:cxn>
+              <a:cxn ang="0">
+                <a:pos x="connsiteX4" y="connsiteY4"/>
+              </a:cxn>
+            </a:cxnLst>
+            <a:rect l="l" t="t" r="r" b="b"/>
+            <a:pathLst>
+              <a:path w="7538442" h="4523065">
+                <a:moveTo>
+                  <a:pt x="0" y="0"/>
+                </a:moveTo>
+                <a:lnTo>
+                  <a:pt x="7538442" y="0"/>
+                </a:lnTo>
+                <a:lnTo>
+                  <a:pt x="7538442" y="4523065"/>
+                </a:lnTo>
+                <a:lnTo>
+                  <a:pt x="0" y="4523065"/>
+                </a:lnTo>
+                <a:lnTo>
+                  <a:pt x="0" y="0"/>
+                </a:lnTo>
+                <a:close/>
+              </a:path>
+            </a:pathLst>
+          </a:custGeom>
+          <a:solidFill>
+            <a:srgbClr val="FF0000"/>
+          </a:solidFill>
+          <a:ln>
+            <a:noFill/>
+          </a:ln>
+        </p:spPr>
+        <p:style>
+          <a:lnRef idx="2">
+            <a:schemeClr val="accent2"/>
+          </a:lnRef>
+          <a:fillRef idx="1">
+            <a:schemeClr val="lt1"/>
+          </a:fillRef>
+          <a:effectRef idx="0">
+            <a:schemeClr val="accent2"/>
+          </a:effectRef>
+          <a:fontRef idx="minor">
+            <a:schemeClr val="dk1"/>
+          </a:fontRef>
+        </p:style>
+        <p:txBody>
+          <a:bodyPr spcFirstLastPara="0" vert="horz" wrap="square" lIns="247650" tIns="247650" rIns="247650" bIns="247650" numCol="1" spcCol="1270" anchor="ctr" anchorCtr="0">
+            <a:noAutofit/>
+          </a:bodyPr>
+          <a:lstStyle/>
+          <a:p>
+            <a:pPr lvl="0" algn="ctr" defTabSz="2889250">
+              <a:lnSpc>
+                <a:spcPct val="90000"/>
+              </a:lnSpc>
+              <a:spcBef>
+                <a:spcPct val="0"/>
+              </a:spcBef>
+              <a:spcAft>
+                <a:spcPct val="35000"/>
+              </a:spcAft>
+            </a:pPr>
+            <a:endParaRPr lang="zh-CN" altLang="en-US" sz="6500" kern="1200"/>
+          </a:p>
+        </p:txBody>
+      </p:sp>
+    </p:spTree>
+    <p:extLst>
+      <p:ext uri="{BB962C8B-B14F-4D97-AF65-F5344CB8AC3E}">
+        <p14:creationId xmlns:p14="http://schemas.microsoft.com/office/powerpoint/2010/main" val="1809559656"/>
+      </p:ext>
+    </p:extLst>
+  </p:cSld>
+  <p:clrMapOvr>
+    <a:masterClrMapping/>
+  </p:clrMapOvr>
+</p:sld>
+</file>
+
+<file path=ppt/slides/slide15.xml><?xml version="1.0" encoding="utf-8"?>
+<p:sld xmlns:a="http://schemas.openxmlformats.org/drawingml/2006/main" xmlns:r="http://schemas.openxmlformats.org/officeDocument/2006/relationships" xmlns:p="http://schemas.openxmlformats.org/presentationml/2006/main">
+  <p:cSld>
+    <p:spTree>
+      <p:nvGrpSpPr>
+        <p:cNvPr id="1" name=""/>
+        <p:cNvGrpSpPr/>
+        <p:nvPr/>
+      </p:nvGrpSpPr>
+      <p:grpSpPr>
+        <a:xfrm>
+          <a:off x="0" y="0"/>
+          <a:ext cx="0" cy="0"/>
+          <a:chOff x="0" y="0"/>
+          <a:chExt cx="0" cy="0"/>
+        </a:xfrm>
+      </p:grpSpPr>
+      <p:sp>
+        <p:nvSpPr>
+          <p:cNvPr id="2" name="标题 1"/>
+          <p:cNvSpPr>
+            <a:spLocks noGrp="1"/>
+          </p:cNvSpPr>
+          <p:nvPr>
+            <p:ph type="title"/>
+          </p:nvPr>
+        </p:nvSpPr>
+        <p:spPr/>
+        <p:txBody>
+          <a:bodyPr/>
+          <a:lstStyle/>
+          <a:p>
+            <a:endParaRPr lang="zh-CN" altLang="en-US"/>
+          </a:p>
+        </p:txBody>
+      </p:sp>
+      <p:pic>
+        <p:nvPicPr>
+          <p:cNvPr id="4" name="内容占位符 3"/>
+          <p:cNvPicPr>
+            <a:picLocks noGrp="1" noChangeAspect="1"/>
+          </p:cNvPicPr>
+          <p:nvPr>
+            <p:ph idx="1"/>
+          </p:nvPr>
+        </p:nvPicPr>
+        <p:blipFill>
+          <a:blip r:embed="rId2">
+            <a:extLst>
+              <a:ext uri="{28A0092B-C50C-407E-A947-70E740481C1C}">
+                <a14:useLocalDpi xmlns:a14="http://schemas.microsoft.com/office/drawing/2010/main" val="0"/>
+              </a:ext>
+            </a:extLst>
+          </a:blip>
+          <a:stretch>
+            <a:fillRect/>
+          </a:stretch>
+        </p:blipFill>
+        <p:spPr>
+          <a:xfrm>
+            <a:off x="4267200" y="3558381"/>
+            <a:ext cx="609600" cy="609600"/>
+          </a:xfrm>
+          <a:prstGeom prst="rect">
+            <a:avLst/>
+          </a:prstGeom>
+          <a:ln>
+            <a:noFill/>
+          </a:ln>
+          <a:effectLst>
+            <a:outerShdw blurRad="190500" algn="tl" rotWithShape="0">
+              <a:srgbClr val="000000">
+                <a:alpha val="70000"/>
+              </a:srgbClr>
+            </a:outerShdw>
+          </a:effectLst>
+        </p:spPr>
+      </p:pic>
+    </p:spTree>
+    <p:extLst>
+      <p:ext uri="{BB962C8B-B14F-4D97-AF65-F5344CB8AC3E}">
+        <p14:creationId xmlns:p14="http://schemas.microsoft.com/office/powerpoint/2010/main" val="2199982099"/>
+      </p:ext>
+    </p:extLst>
+  </p:cSld>
+  <p:clrMapOvr>
+    <a:masterClrMapping/>
+  </p:clrMapOvr>
+</p:sld>
+</file>
+
+<file path=ppt/slides/slide16.xml><?xml version="1.0" encoding="utf-8"?>
+<p:sld xmlns:a="http://schemas.openxmlformats.org/drawingml/2006/main" xmlns:r="http://schemas.openxmlformats.org/officeDocument/2006/relationships" xmlns:p="http://schemas.openxmlformats.org/presentationml/2006/main">
+  <p:cSld>
+    <p:spTree>
+      <p:nvGrpSpPr>
+        <p:cNvPr id="1" name=""/>
+        <p:cNvGrpSpPr/>
+        <p:nvPr/>
+      </p:nvGrpSpPr>
+      <p:grpSpPr>
+        <a:xfrm>
+          <a:off x="0" y="0"/>
+          <a:ext cx="0" cy="0"/>
+          <a:chOff x="0" y="0"/>
+          <a:chExt cx="0" cy="0"/>
+        </a:xfrm>
+      </p:grpSpPr>
+      <p:sp>
+        <p:nvSpPr>
+          <p:cNvPr id="2" name="标题 1"/>
+          <p:cNvSpPr>
+            <a:spLocks noGrp="1"/>
+          </p:cNvSpPr>
+          <p:nvPr>
+            <p:ph type="title"/>
+          </p:nvPr>
+        </p:nvSpPr>
+        <p:spPr/>
+        <p:txBody>
+          <a:bodyPr/>
+          <a:lstStyle/>
+          <a:p>
+            <a:endParaRPr lang="zh-CN" altLang="en-US"/>
+          </a:p>
+        </p:txBody>
+      </p:sp>
+      <p:sp>
+        <p:nvSpPr>
+          <p:cNvPr id="6" name="任意多边形 5"/>
+          <p:cNvSpPr/>
+          <p:nvPr/>
+        </p:nvSpPr>
+        <p:spPr>
+          <a:xfrm>
+            <a:off x="802778" y="1601648"/>
+            <a:ext cx="7538442" cy="4523065"/>
+          </a:xfrm>
+          <a:custGeom>
+            <a:avLst/>
+            <a:gdLst>
+              <a:gd name="connsiteX0" fmla="*/ 0 w 7538442"/>
+              <a:gd name="connsiteY0" fmla="*/ 0 h 4523065"/>
+              <a:gd name="connsiteX1" fmla="*/ 7538442 w 7538442"/>
+              <a:gd name="connsiteY1" fmla="*/ 0 h 4523065"/>
+              <a:gd name="connsiteX2" fmla="*/ 7538442 w 7538442"/>
+              <a:gd name="connsiteY2" fmla="*/ 4523065 h 4523065"/>
+              <a:gd name="connsiteX3" fmla="*/ 0 w 7538442"/>
+              <a:gd name="connsiteY3" fmla="*/ 4523065 h 4523065"/>
+              <a:gd name="connsiteX4" fmla="*/ 0 w 7538442"/>
+              <a:gd name="connsiteY4" fmla="*/ 0 h 4523065"/>
+            </a:gdLst>
+            <a:ahLst/>
+            <a:cxnLst>
+              <a:cxn ang="0">
+                <a:pos x="connsiteX0" y="connsiteY0"/>
+              </a:cxn>
+              <a:cxn ang="0">
+                <a:pos x="connsiteX1" y="connsiteY1"/>
+              </a:cxn>
+              <a:cxn ang="0">
+                <a:pos x="connsiteX2" y="connsiteY2"/>
+              </a:cxn>
+              <a:cxn ang="0">
+                <a:pos x="connsiteX3" y="connsiteY3"/>
+              </a:cxn>
+              <a:cxn ang="0">
+                <a:pos x="connsiteX4" y="connsiteY4"/>
+              </a:cxn>
+            </a:cxnLst>
+            <a:rect l="l" t="t" r="r" b="b"/>
+            <a:pathLst>
+              <a:path w="7538442" h="4523065">
+                <a:moveTo>
+                  <a:pt x="0" y="0"/>
+                </a:moveTo>
+                <a:lnTo>
+                  <a:pt x="7538442" y="0"/>
+                </a:lnTo>
+                <a:lnTo>
+                  <a:pt x="7538442" y="4523065"/>
+                </a:lnTo>
+                <a:lnTo>
+                  <a:pt x="0" y="4523065"/>
+                </a:lnTo>
+                <a:lnTo>
+                  <a:pt x="0" y="0"/>
+                </a:lnTo>
+                <a:close/>
+              </a:path>
+            </a:pathLst>
+          </a:custGeom>
+          <a:noFill/>
+          <a:ln w="76200"/>
+        </p:spPr>
+        <p:style>
+          <a:lnRef idx="2">
+            <a:schemeClr val="accent2"/>
+          </a:lnRef>
+          <a:fillRef idx="1">
+            <a:schemeClr val="lt1"/>
+          </a:fillRef>
+          <a:effectRef idx="0">
+            <a:schemeClr val="accent2"/>
+          </a:effectRef>
+          <a:fontRef idx="minor">
+            <a:schemeClr val="dk1"/>
+          </a:fontRef>
+        </p:style>
+        <p:txBody>
+          <a:bodyPr spcFirstLastPara="0" vert="horz" wrap="square" lIns="247650" tIns="247650" rIns="247650" bIns="247650" numCol="1" spcCol="1270" anchor="ctr" anchorCtr="0">
+            <a:noAutofit/>
+          </a:bodyPr>
+          <a:lstStyle/>
+          <a:p>
+            <a:pPr lvl="0" algn="ctr" defTabSz="2889250">
+              <a:lnSpc>
+                <a:spcPct val="90000"/>
+              </a:lnSpc>
+              <a:spcBef>
+                <a:spcPct val="0"/>
+              </a:spcBef>
+              <a:spcAft>
+                <a:spcPct val="35000"/>
+              </a:spcAft>
+            </a:pPr>
+            <a:endParaRPr lang="zh-CN" altLang="en-US" sz="6500" kern="1200"/>
+          </a:p>
+        </p:txBody>
+      </p:sp>
+    </p:spTree>
+    <p:extLst>
+      <p:ext uri="{BB962C8B-B14F-4D97-AF65-F5344CB8AC3E}">
+        <p14:creationId xmlns:p14="http://schemas.microsoft.com/office/powerpoint/2010/main" val="1691533334"/>
       </p:ext>
     </p:extLst>
   </p:cSld>

--- a/TankHero.pptx
+++ b/TankHero.pptx
@@ -21,6 +21,7 @@
     <p:sldId id="273" r:id="rId15"/>
     <p:sldId id="274" r:id="rId16"/>
     <p:sldId id="275" r:id="rId17"/>
+    <p:sldId id="276" r:id="rId18"/>
   </p:sldIdLst>
   <p:sldSz cx="9144000" cy="6858000" type="screen4x3"/>
   <p:notesSz cx="6858000" cy="9144000"/>
@@ -303,7 +304,7 @@
           <a:p>
             <a:fld id="{EF65D2AA-D73F-470C-8AB1-14029EAFFB0B}" type="datetimeFigureOut">
               <a:rPr lang="zh-CN" altLang="en-US" smtClean="0"/>
-              <a:t>2015/2/1</a:t>
+              <a:t>2015/2/8</a:t>
             </a:fld>
             <a:endParaRPr lang="zh-CN" altLang="en-US"/>
           </a:p>
@@ -473,7 +474,7 @@
           <a:p>
             <a:fld id="{EF65D2AA-D73F-470C-8AB1-14029EAFFB0B}" type="datetimeFigureOut">
               <a:rPr lang="zh-CN" altLang="en-US" smtClean="0"/>
-              <a:t>2015/2/1</a:t>
+              <a:t>2015/2/8</a:t>
             </a:fld>
             <a:endParaRPr lang="zh-CN" altLang="en-US"/>
           </a:p>
@@ -653,7 +654,7 @@
           <a:p>
             <a:fld id="{EF65D2AA-D73F-470C-8AB1-14029EAFFB0B}" type="datetimeFigureOut">
               <a:rPr lang="zh-CN" altLang="en-US" smtClean="0"/>
-              <a:t>2015/2/1</a:t>
+              <a:t>2015/2/8</a:t>
             </a:fld>
             <a:endParaRPr lang="zh-CN" altLang="en-US"/>
           </a:p>
@@ -823,7 +824,7 @@
           <a:p>
             <a:fld id="{EF65D2AA-D73F-470C-8AB1-14029EAFFB0B}" type="datetimeFigureOut">
               <a:rPr lang="zh-CN" altLang="en-US" smtClean="0"/>
-              <a:t>2015/2/1</a:t>
+              <a:t>2015/2/8</a:t>
             </a:fld>
             <a:endParaRPr lang="zh-CN" altLang="en-US"/>
           </a:p>
@@ -1069,7 +1070,7 @@
           <a:p>
             <a:fld id="{EF65D2AA-D73F-470C-8AB1-14029EAFFB0B}" type="datetimeFigureOut">
               <a:rPr lang="zh-CN" altLang="en-US" smtClean="0"/>
-              <a:t>2015/2/1</a:t>
+              <a:t>2015/2/8</a:t>
             </a:fld>
             <a:endParaRPr lang="zh-CN" altLang="en-US"/>
           </a:p>
@@ -1357,7 +1358,7 @@
           <a:p>
             <a:fld id="{EF65D2AA-D73F-470C-8AB1-14029EAFFB0B}" type="datetimeFigureOut">
               <a:rPr lang="zh-CN" altLang="en-US" smtClean="0"/>
-              <a:t>2015/2/1</a:t>
+              <a:t>2015/2/8</a:t>
             </a:fld>
             <a:endParaRPr lang="zh-CN" altLang="en-US"/>
           </a:p>
@@ -1779,7 +1780,7 @@
           <a:p>
             <a:fld id="{EF65D2AA-D73F-470C-8AB1-14029EAFFB0B}" type="datetimeFigureOut">
               <a:rPr lang="zh-CN" altLang="en-US" smtClean="0"/>
-              <a:t>2015/2/1</a:t>
+              <a:t>2015/2/8</a:t>
             </a:fld>
             <a:endParaRPr lang="zh-CN" altLang="en-US"/>
           </a:p>
@@ -1897,7 +1898,7 @@
           <a:p>
             <a:fld id="{EF65D2AA-D73F-470C-8AB1-14029EAFFB0B}" type="datetimeFigureOut">
               <a:rPr lang="zh-CN" altLang="en-US" smtClean="0"/>
-              <a:t>2015/2/1</a:t>
+              <a:t>2015/2/8</a:t>
             </a:fld>
             <a:endParaRPr lang="zh-CN" altLang="en-US"/>
           </a:p>
@@ -1992,7 +1993,7 @@
           <a:p>
             <a:fld id="{EF65D2AA-D73F-470C-8AB1-14029EAFFB0B}" type="datetimeFigureOut">
               <a:rPr lang="zh-CN" altLang="en-US" smtClean="0"/>
-              <a:t>2015/2/1</a:t>
+              <a:t>2015/2/8</a:t>
             </a:fld>
             <a:endParaRPr lang="zh-CN" altLang="en-US"/>
           </a:p>
@@ -2269,7 +2270,7 @@
           <a:p>
             <a:fld id="{EF65D2AA-D73F-470C-8AB1-14029EAFFB0B}" type="datetimeFigureOut">
               <a:rPr lang="zh-CN" altLang="en-US" smtClean="0"/>
-              <a:t>2015/2/1</a:t>
+              <a:t>2015/2/8</a:t>
             </a:fld>
             <a:endParaRPr lang="zh-CN" altLang="en-US"/>
           </a:p>
@@ -2522,7 +2523,7 @@
           <a:p>
             <a:fld id="{EF65D2AA-D73F-470C-8AB1-14029EAFFB0B}" type="datetimeFigureOut">
               <a:rPr lang="zh-CN" altLang="en-US" smtClean="0"/>
-              <a:t>2015/2/1</a:t>
+              <a:t>2015/2/8</a:t>
             </a:fld>
             <a:endParaRPr lang="zh-CN" altLang="en-US"/>
           </a:p>
@@ -2735,7 +2736,7 @@
           <a:p>
             <a:fld id="{EF65D2AA-D73F-470C-8AB1-14029EAFFB0B}" type="datetimeFigureOut">
               <a:rPr lang="zh-CN" altLang="en-US" smtClean="0"/>
-              <a:t>2015/2/1</a:t>
+              <a:t>2015/2/8</a:t>
             </a:fld>
             <a:endParaRPr lang="zh-CN" altLang="en-US"/>
           </a:p>
@@ -6031,6 +6032,211 @@
     <p:extLst>
       <p:ext uri="{BB962C8B-B14F-4D97-AF65-F5344CB8AC3E}">
         <p14:creationId xmlns:p14="http://schemas.microsoft.com/office/powerpoint/2010/main" val="1691533334"/>
+      </p:ext>
+    </p:extLst>
+  </p:cSld>
+  <p:clrMapOvr>
+    <a:masterClrMapping/>
+  </p:clrMapOvr>
+</p:sld>
+</file>
+
+<file path=ppt/slides/slide17.xml><?xml version="1.0" encoding="utf-8"?>
+<p:sld xmlns:a="http://schemas.openxmlformats.org/drawingml/2006/main" xmlns:r="http://schemas.openxmlformats.org/officeDocument/2006/relationships" xmlns:p="http://schemas.openxmlformats.org/presentationml/2006/main">
+  <p:cSld>
+    <p:spTree>
+      <p:nvGrpSpPr>
+        <p:cNvPr id="1" name=""/>
+        <p:cNvGrpSpPr/>
+        <p:nvPr/>
+      </p:nvGrpSpPr>
+      <p:grpSpPr>
+        <a:xfrm>
+          <a:off x="0" y="0"/>
+          <a:ext cx="0" cy="0"/>
+          <a:chOff x="0" y="0"/>
+          <a:chExt cx="0" cy="0"/>
+        </a:xfrm>
+      </p:grpSpPr>
+      <p:sp>
+        <p:nvSpPr>
+          <p:cNvPr id="2" name="标题 1"/>
+          <p:cNvSpPr>
+            <a:spLocks noGrp="1"/>
+          </p:cNvSpPr>
+          <p:nvPr>
+            <p:ph type="title"/>
+          </p:nvPr>
+        </p:nvSpPr>
+        <p:spPr/>
+        <p:txBody>
+          <a:bodyPr/>
+          <a:lstStyle/>
+          <a:p>
+            <a:endParaRPr lang="zh-CN" altLang="en-US"/>
+          </a:p>
+        </p:txBody>
+      </p:sp>
+      <p:sp>
+        <p:nvSpPr>
+          <p:cNvPr id="9" name="任意多边形 8"/>
+          <p:cNvSpPr/>
+          <p:nvPr/>
+        </p:nvSpPr>
+        <p:spPr>
+          <a:xfrm>
+            <a:off x="1094433" y="2924948"/>
+            <a:ext cx="2685496" cy="1876462"/>
+          </a:xfrm>
+          <a:custGeom>
+            <a:avLst/>
+            <a:gdLst>
+              <a:gd name="connsiteX0" fmla="*/ 0 w 252118"/>
+              <a:gd name="connsiteY0" fmla="*/ 80881 h 404407"/>
+              <a:gd name="connsiteX1" fmla="*/ 126059 w 252118"/>
+              <a:gd name="connsiteY1" fmla="*/ 80881 h 404407"/>
+              <a:gd name="connsiteX2" fmla="*/ 126059 w 252118"/>
+              <a:gd name="connsiteY2" fmla="*/ 0 h 404407"/>
+              <a:gd name="connsiteX3" fmla="*/ 252118 w 252118"/>
+              <a:gd name="connsiteY3" fmla="*/ 202204 h 404407"/>
+              <a:gd name="connsiteX4" fmla="*/ 126059 w 252118"/>
+              <a:gd name="connsiteY4" fmla="*/ 404407 h 404407"/>
+              <a:gd name="connsiteX5" fmla="*/ 126059 w 252118"/>
+              <a:gd name="connsiteY5" fmla="*/ 323526 h 404407"/>
+              <a:gd name="connsiteX6" fmla="*/ 0 w 252118"/>
+              <a:gd name="connsiteY6" fmla="*/ 323526 h 404407"/>
+              <a:gd name="connsiteX7" fmla="*/ 0 w 252118"/>
+              <a:gd name="connsiteY7" fmla="*/ 80881 h 404407"/>
+              <a:gd name="connsiteX0" fmla="*/ 0 w 252118"/>
+              <a:gd name="connsiteY0" fmla="*/ 80881 h 404407"/>
+              <a:gd name="connsiteX1" fmla="*/ 126059 w 252118"/>
+              <a:gd name="connsiteY1" fmla="*/ 80881 h 404407"/>
+              <a:gd name="connsiteX2" fmla="*/ 126059 w 252118"/>
+              <a:gd name="connsiteY2" fmla="*/ 0 h 404407"/>
+              <a:gd name="connsiteX3" fmla="*/ 252118 w 252118"/>
+              <a:gd name="connsiteY3" fmla="*/ 202204 h 404407"/>
+              <a:gd name="connsiteX4" fmla="*/ 126059 w 252118"/>
+              <a:gd name="connsiteY4" fmla="*/ 404407 h 404407"/>
+              <a:gd name="connsiteX5" fmla="*/ 126059 w 252118"/>
+              <a:gd name="connsiteY5" fmla="*/ 323526 h 404407"/>
+              <a:gd name="connsiteX6" fmla="*/ 0 w 252118"/>
+              <a:gd name="connsiteY6" fmla="*/ 80881 h 404407"/>
+              <a:gd name="connsiteX0" fmla="*/ 0 w 126059"/>
+              <a:gd name="connsiteY0" fmla="*/ 323526 h 404407"/>
+              <a:gd name="connsiteX1" fmla="*/ 0 w 126059"/>
+              <a:gd name="connsiteY1" fmla="*/ 80881 h 404407"/>
+              <a:gd name="connsiteX2" fmla="*/ 0 w 126059"/>
+              <a:gd name="connsiteY2" fmla="*/ 0 h 404407"/>
+              <a:gd name="connsiteX3" fmla="*/ 126059 w 126059"/>
+              <a:gd name="connsiteY3" fmla="*/ 202204 h 404407"/>
+              <a:gd name="connsiteX4" fmla="*/ 0 w 126059"/>
+              <a:gd name="connsiteY4" fmla="*/ 404407 h 404407"/>
+              <a:gd name="connsiteX5" fmla="*/ 0 w 126059"/>
+              <a:gd name="connsiteY5" fmla="*/ 323526 h 404407"/>
+            </a:gdLst>
+            <a:ahLst/>
+            <a:cxnLst>
+              <a:cxn ang="0">
+                <a:pos x="connsiteX0" y="connsiteY0"/>
+              </a:cxn>
+              <a:cxn ang="0">
+                <a:pos x="connsiteX1" y="connsiteY1"/>
+              </a:cxn>
+              <a:cxn ang="0">
+                <a:pos x="connsiteX2" y="connsiteY2"/>
+              </a:cxn>
+              <a:cxn ang="0">
+                <a:pos x="connsiteX3" y="connsiteY3"/>
+              </a:cxn>
+              <a:cxn ang="0">
+                <a:pos x="connsiteX4" y="connsiteY4"/>
+              </a:cxn>
+              <a:cxn ang="0">
+                <a:pos x="connsiteX5" y="connsiteY5"/>
+              </a:cxn>
+            </a:cxnLst>
+            <a:rect l="l" t="t" r="r" b="b"/>
+            <a:pathLst>
+              <a:path w="126059" h="404407">
+                <a:moveTo>
+                  <a:pt x="0" y="323526"/>
+                </a:moveTo>
+                <a:lnTo>
+                  <a:pt x="0" y="80881"/>
+                </a:lnTo>
+                <a:lnTo>
+                  <a:pt x="0" y="0"/>
+                </a:lnTo>
+                <a:lnTo>
+                  <a:pt x="126059" y="202204"/>
+                </a:lnTo>
+                <a:lnTo>
+                  <a:pt x="0" y="404407"/>
+                </a:lnTo>
+                <a:lnTo>
+                  <a:pt x="0" y="323526"/>
+                </a:lnTo>
+                <a:close/>
+              </a:path>
+            </a:pathLst>
+          </a:custGeom>
+          <a:solidFill>
+            <a:srgbClr val="FF0000"/>
+          </a:solidFill>
+          <a:ln w="254000" cap="sq" cmpd="sng">
+            <a:solidFill>
+              <a:schemeClr val="tx1"/>
+            </a:solidFill>
+            <a:round/>
+          </a:ln>
+        </p:spPr>
+        <p:style>
+          <a:lnRef idx="0">
+            <a:schemeClr val="accent2"/>
+          </a:lnRef>
+          <a:fillRef idx="3">
+            <a:schemeClr val="accent2"/>
+          </a:fillRef>
+          <a:effectRef idx="3">
+            <a:schemeClr val="accent2"/>
+          </a:effectRef>
+          <a:fontRef idx="minor">
+            <a:schemeClr val="lt1"/>
+          </a:fontRef>
+        </p:style>
+        <p:txBody>
+          <a:bodyPr spcFirstLastPara="0" vert="horz" wrap="square" lIns="75635" tIns="80882" rIns="1" bIns="80881" numCol="1" spcCol="1270" anchor="ctr" anchorCtr="0">
+            <a:noAutofit/>
+          </a:bodyPr>
+          <a:lstStyle/>
+          <a:p>
+            <a:pPr algn="ctr" defTabSz="755650">
+              <a:lnSpc>
+                <a:spcPct val="90000"/>
+              </a:lnSpc>
+              <a:spcBef>
+                <a:spcPct val="0"/>
+              </a:spcBef>
+              <a:spcAft>
+                <a:spcPct val="35000"/>
+              </a:spcAft>
+            </a:pPr>
+            <a:endParaRPr lang="zh-CN" altLang="en-US" sz="1700">
+              <a:effectLst>
+                <a:outerShdw blurRad="63500" sx="102000" sy="102000" algn="ctr" rotWithShape="0">
+                  <a:prstClr val="black">
+                    <a:alpha val="40000"/>
+                  </a:prstClr>
+                </a:outerShdw>
+              </a:effectLst>
+            </a:endParaRPr>
+          </a:p>
+        </p:txBody>
+      </p:sp>
+    </p:spTree>
+    <p:extLst>
+      <p:ext uri="{BB962C8B-B14F-4D97-AF65-F5344CB8AC3E}">
+        <p14:creationId xmlns:p14="http://schemas.microsoft.com/office/powerpoint/2010/main" val="4203673243"/>
       </p:ext>
     </p:extLst>
   </p:cSld>

--- a/TankHero.pptx
+++ b/TankHero.pptx
@@ -304,7 +304,7 @@
           <a:p>
             <a:fld id="{EF65D2AA-D73F-470C-8AB1-14029EAFFB0B}" type="datetimeFigureOut">
               <a:rPr lang="zh-CN" altLang="en-US" smtClean="0"/>
-              <a:t>2015/2/8</a:t>
+              <a:t>2015/2/11</a:t>
             </a:fld>
             <a:endParaRPr lang="zh-CN" altLang="en-US"/>
           </a:p>
@@ -474,7 +474,7 @@
           <a:p>
             <a:fld id="{EF65D2AA-D73F-470C-8AB1-14029EAFFB0B}" type="datetimeFigureOut">
               <a:rPr lang="zh-CN" altLang="en-US" smtClean="0"/>
-              <a:t>2015/2/8</a:t>
+              <a:t>2015/2/11</a:t>
             </a:fld>
             <a:endParaRPr lang="zh-CN" altLang="en-US"/>
           </a:p>
@@ -654,7 +654,7 @@
           <a:p>
             <a:fld id="{EF65D2AA-D73F-470C-8AB1-14029EAFFB0B}" type="datetimeFigureOut">
               <a:rPr lang="zh-CN" altLang="en-US" smtClean="0"/>
-              <a:t>2015/2/8</a:t>
+              <a:t>2015/2/11</a:t>
             </a:fld>
             <a:endParaRPr lang="zh-CN" altLang="en-US"/>
           </a:p>
@@ -824,7 +824,7 @@
           <a:p>
             <a:fld id="{EF65D2AA-D73F-470C-8AB1-14029EAFFB0B}" type="datetimeFigureOut">
               <a:rPr lang="zh-CN" altLang="en-US" smtClean="0"/>
-              <a:t>2015/2/8</a:t>
+              <a:t>2015/2/11</a:t>
             </a:fld>
             <a:endParaRPr lang="zh-CN" altLang="en-US"/>
           </a:p>
@@ -1070,7 +1070,7 @@
           <a:p>
             <a:fld id="{EF65D2AA-D73F-470C-8AB1-14029EAFFB0B}" type="datetimeFigureOut">
               <a:rPr lang="zh-CN" altLang="en-US" smtClean="0"/>
-              <a:t>2015/2/8</a:t>
+              <a:t>2015/2/11</a:t>
             </a:fld>
             <a:endParaRPr lang="zh-CN" altLang="en-US"/>
           </a:p>
@@ -1358,7 +1358,7 @@
           <a:p>
             <a:fld id="{EF65D2AA-D73F-470C-8AB1-14029EAFFB0B}" type="datetimeFigureOut">
               <a:rPr lang="zh-CN" altLang="en-US" smtClean="0"/>
-              <a:t>2015/2/8</a:t>
+              <a:t>2015/2/11</a:t>
             </a:fld>
             <a:endParaRPr lang="zh-CN" altLang="en-US"/>
           </a:p>
@@ -1780,7 +1780,7 @@
           <a:p>
             <a:fld id="{EF65D2AA-D73F-470C-8AB1-14029EAFFB0B}" type="datetimeFigureOut">
               <a:rPr lang="zh-CN" altLang="en-US" smtClean="0"/>
-              <a:t>2015/2/8</a:t>
+              <a:t>2015/2/11</a:t>
             </a:fld>
             <a:endParaRPr lang="zh-CN" altLang="en-US"/>
           </a:p>
@@ -1898,7 +1898,7 @@
           <a:p>
             <a:fld id="{EF65D2AA-D73F-470C-8AB1-14029EAFFB0B}" type="datetimeFigureOut">
               <a:rPr lang="zh-CN" altLang="en-US" smtClean="0"/>
-              <a:t>2015/2/8</a:t>
+              <a:t>2015/2/11</a:t>
             </a:fld>
             <a:endParaRPr lang="zh-CN" altLang="en-US"/>
           </a:p>
@@ -1993,7 +1993,7 @@
           <a:p>
             <a:fld id="{EF65D2AA-D73F-470C-8AB1-14029EAFFB0B}" type="datetimeFigureOut">
               <a:rPr lang="zh-CN" altLang="en-US" smtClean="0"/>
-              <a:t>2015/2/8</a:t>
+              <a:t>2015/2/11</a:t>
             </a:fld>
             <a:endParaRPr lang="zh-CN" altLang="en-US"/>
           </a:p>
@@ -2270,7 +2270,7 @@
           <a:p>
             <a:fld id="{EF65D2AA-D73F-470C-8AB1-14029EAFFB0B}" type="datetimeFigureOut">
               <a:rPr lang="zh-CN" altLang="en-US" smtClean="0"/>
-              <a:t>2015/2/8</a:t>
+              <a:t>2015/2/11</a:t>
             </a:fld>
             <a:endParaRPr lang="zh-CN" altLang="en-US"/>
           </a:p>
@@ -2523,7 +2523,7 @@
           <a:p>
             <a:fld id="{EF65D2AA-D73F-470C-8AB1-14029EAFFB0B}" type="datetimeFigureOut">
               <a:rPr lang="zh-CN" altLang="en-US" smtClean="0"/>
-              <a:t>2015/2/8</a:t>
+              <a:t>2015/2/11</a:t>
             </a:fld>
             <a:endParaRPr lang="zh-CN" altLang="en-US"/>
           </a:p>
@@ -2736,7 +2736,7 @@
           <a:p>
             <a:fld id="{EF65D2AA-D73F-470C-8AB1-14029EAFFB0B}" type="datetimeFigureOut">
               <a:rPr lang="zh-CN" altLang="en-US" smtClean="0"/>
-              <a:t>2015/2/8</a:t>
+              <a:t>2015/2/11</a:t>
             </a:fld>
             <a:endParaRPr lang="zh-CN" altLang="en-US"/>
           </a:p>
@@ -3205,12 +3205,15 @@
           <p:nvPr/>
         </p:nvGrpSpPr>
         <p:grpSpPr>
-          <a:xfrm>
+          <a:xfrm rot="2700000">
             <a:off x="1094433" y="385614"/>
             <a:ext cx="6955125" cy="6955125"/>
             <a:chOff x="1094433" y="385614"/>
             <a:chExt cx="6955125" cy="6955125"/>
           </a:xfrm>
+          <a:solidFill>
+            <a:srgbClr val="FFFF00"/>
+          </a:solidFill>
         </p:grpSpPr>
         <p:grpSp>
           <p:nvGrpSpPr>
@@ -3225,6 +3228,7 @@
               <a:chOff x="1094433" y="2924944"/>
               <a:chExt cx="6955125" cy="1876466"/>
             </a:xfrm>
+            <a:grpFill/>
           </p:grpSpPr>
           <p:sp>
             <p:nvSpPr>
@@ -3329,6 +3333,7 @@
                   </a:path>
                 </a:pathLst>
               </a:custGeom>
+              <a:grpFill/>
               <a:ln w="254000" cap="sq" cmpd="sng">
                 <a:solidFill>
                   <a:schemeClr val="tx1"/>
@@ -3482,6 +3487,7 @@
                   </a:path>
                 </a:pathLst>
               </a:custGeom>
+              <a:grpFill/>
               <a:ln w="254000" cap="sq" cmpd="sng">
                 <a:solidFill>
                   <a:schemeClr val="tx1"/>
@@ -3546,6 +3552,7 @@
               <a:chOff x="1094433" y="2924944"/>
               <a:chExt cx="6955125" cy="1876466"/>
             </a:xfrm>
+            <a:grpFill/>
           </p:grpSpPr>
           <p:sp>
             <p:nvSpPr>
@@ -3650,6 +3657,7 @@
                   </a:path>
                 </a:pathLst>
               </a:custGeom>
+              <a:grpFill/>
               <a:ln w="254000" cap="sq" cmpd="sng">
                 <a:solidFill>
                   <a:schemeClr val="tx1"/>
@@ -3803,6 +3811,7 @@
                   </a:path>
                 </a:pathLst>
               </a:custGeom>
+              <a:grpFill/>
               <a:ln w="254000" cap="sq" cmpd="sng">
                 <a:solidFill>
                   <a:schemeClr val="tx1"/>
@@ -5593,17 +5602,17 @@
           </a:custGeom>
         </p:spPr>
         <p:style>
-          <a:lnRef idx="1">
+          <a:lnRef idx="0">
             <a:schemeClr val="accent2"/>
           </a:lnRef>
-          <a:fillRef idx="2">
+          <a:fillRef idx="3">
             <a:schemeClr val="accent2"/>
           </a:fillRef>
-          <a:effectRef idx="1">
+          <a:effectRef idx="3">
             <a:schemeClr val="accent2"/>
           </a:effectRef>
           <a:fontRef idx="minor">
-            <a:schemeClr val="dk1"/>
+            <a:schemeClr val="lt1"/>
           </a:fontRef>
         </p:style>
         <p:txBody>
